--- a/KinecDroneFin.pptx
+++ b/KinecDroneFin.pptx
@@ -203,7 +203,7 @@
             <a:fld id="{71F336B0-9858-924E-842F-491D2DB7BF35}" type="datetimeFigureOut">
               <a:rPr lang="ja-JP" altLang="en-US" smtClean="0"/>
               <a:pPr/>
-              <a:t>13.12.7</a:t>
+              <a:t>13.12.9</a:t>
             </a:fld>
             <a:endParaRPr lang="ja-JP" altLang="en-US"/>
           </a:p>
@@ -279,7 +279,7 @@
     </p:spTree>
     <p:extLst>
       <p:ext uri="{BB962C8B-B14F-4D97-AF65-F5344CB8AC3E}">
-        <p14:creationId xmlns="" xmlns:a="http://schemas.openxmlformats.org/drawingml/2006/main" xmlns:r="http://schemas.openxmlformats.org/officeDocument/2006/relationships" xmlns:p="http://schemas.openxmlformats.org/presentationml/2006/main" xmlns:p14="http://schemas.microsoft.com/office/powerpoint/2010/main" xmlns:mv="urn:schemas-microsoft-com:mac:vml" xmlns:mc="http://schemas.openxmlformats.org/markup-compatibility/2006" val="1976769317"/>
+        <p14:creationId xmlns:mc="http://schemas.openxmlformats.org/markup-compatibility/2006" xmlns:mv="urn:schemas-microsoft-com:mac:vml" xmlns:p14="http://schemas.microsoft.com/office/powerpoint/2010/main" xmlns:p="http://schemas.openxmlformats.org/presentationml/2006/main" xmlns:r="http://schemas.openxmlformats.org/officeDocument/2006/relationships" xmlns:a="http://schemas.openxmlformats.org/drawingml/2006/main" xmlns="" val="1976769317"/>
       </p:ext>
     </p:extLst>
   </p:cSld>
@@ -680,7 +680,7 @@
             <a:fld id="{8839B124-D151-7E40-BD00-8DC927F036D0}" type="datetimeFigureOut">
               <a:rPr lang="ja-JP" altLang="en-US" smtClean="0"/>
               <a:pPr/>
-              <a:t>13.12.7</a:t>
+              <a:t>13.12.9</a:t>
             </a:fld>
             <a:endParaRPr lang="ja-JP" altLang="en-US"/>
           </a:p>
@@ -903,7 +903,7 @@
             <a:fld id="{8839B124-D151-7E40-BD00-8DC927F036D0}" type="datetimeFigureOut">
               <a:rPr lang="ja-JP" altLang="en-US" smtClean="0"/>
               <a:pPr/>
-              <a:t>13.12.7</a:t>
+              <a:t>13.12.9</a:t>
             </a:fld>
             <a:endParaRPr lang="ja-JP" altLang="en-US"/>
           </a:p>
@@ -1136,7 +1136,7 @@
             <a:fld id="{8839B124-D151-7E40-BD00-8DC927F036D0}" type="datetimeFigureOut">
               <a:rPr lang="ja-JP" altLang="en-US" smtClean="0"/>
               <a:pPr/>
-              <a:t>13.12.7</a:t>
+              <a:t>13.12.9</a:t>
             </a:fld>
             <a:endParaRPr lang="ja-JP" altLang="en-US"/>
           </a:p>
@@ -1363,7 +1363,7 @@
             <a:fld id="{8839B124-D151-7E40-BD00-8DC927F036D0}" type="datetimeFigureOut">
               <a:rPr lang="ja-JP" altLang="en-US" smtClean="0"/>
               <a:pPr/>
-              <a:t>13.12.7</a:t>
+              <a:t>13.12.9</a:t>
             </a:fld>
             <a:endParaRPr lang="ja-JP" altLang="en-US"/>
           </a:p>
@@ -1844,7 +1844,7 @@
             <a:fld id="{8839B124-D151-7E40-BD00-8DC927F036D0}" type="datetimeFigureOut">
               <a:rPr lang="ja-JP" altLang="en-US" smtClean="0"/>
               <a:pPr/>
-              <a:t>13.12.7</a:t>
+              <a:t>13.12.9</a:t>
             </a:fld>
             <a:endParaRPr lang="ja-JP" altLang="en-US"/>
           </a:p>
@@ -2198,7 +2198,7 @@
             <a:fld id="{8839B124-D151-7E40-BD00-8DC927F036D0}" type="datetimeFigureOut">
               <a:rPr lang="ja-JP" altLang="en-US" smtClean="0"/>
               <a:pPr/>
-              <a:t>13.12.7</a:t>
+              <a:t>13.12.9</a:t>
             </a:fld>
             <a:endParaRPr lang="ja-JP" altLang="en-US"/>
           </a:p>
@@ -2662,7 +2662,7 @@
             <a:fld id="{8839B124-D151-7E40-BD00-8DC927F036D0}" type="datetimeFigureOut">
               <a:rPr lang="ja-JP" altLang="en-US" smtClean="0"/>
               <a:pPr/>
-              <a:t>13.12.7</a:t>
+              <a:t>13.12.9</a:t>
             </a:fld>
             <a:endParaRPr lang="ja-JP" altLang="en-US"/>
           </a:p>
@@ -2810,7 +2810,7 @@
             <a:fld id="{8839B124-D151-7E40-BD00-8DC927F036D0}" type="datetimeFigureOut">
               <a:rPr lang="ja-JP" altLang="en-US" smtClean="0"/>
               <a:pPr/>
-              <a:t>13.12.7</a:t>
+              <a:t>13.12.9</a:t>
             </a:fld>
             <a:endParaRPr lang="ja-JP" altLang="en-US"/>
           </a:p>
@@ -2926,7 +2926,7 @@
             <a:fld id="{8839B124-D151-7E40-BD00-8DC927F036D0}" type="datetimeFigureOut">
               <a:rPr lang="ja-JP" altLang="en-US" smtClean="0"/>
               <a:pPr/>
-              <a:t>13.12.7</a:t>
+              <a:t>13.12.9</a:t>
             </a:fld>
             <a:endParaRPr lang="ja-JP" altLang="en-US"/>
           </a:p>
@@ -3233,7 +3233,7 @@
             <a:fld id="{8839B124-D151-7E40-BD00-8DC927F036D0}" type="datetimeFigureOut">
               <a:rPr lang="ja-JP" altLang="en-US" smtClean="0"/>
               <a:pPr/>
-              <a:t>13.12.7</a:t>
+              <a:t>13.12.9</a:t>
             </a:fld>
             <a:endParaRPr lang="ja-JP" altLang="en-US"/>
           </a:p>
@@ -3508,7 +3508,7 @@
             <a:fld id="{8839B124-D151-7E40-BD00-8DC927F036D0}" type="datetimeFigureOut">
               <a:rPr lang="ja-JP" altLang="en-US" smtClean="0"/>
               <a:pPr/>
-              <a:t>13.12.7</a:t>
+              <a:t>13.12.9</a:t>
             </a:fld>
             <a:endParaRPr lang="ja-JP" altLang="en-US"/>
           </a:p>
@@ -4815,7 +4815,6 @@
               <a:rPr lang="en-US" altLang="ja-JP" dirty="0" smtClean="0"/>
               <a:t>!!!!</a:t>
             </a:r>
-            <a:endParaRPr lang="en-US" altLang="ja-JP" dirty="0" smtClean="0"/>
           </a:p>
           <a:p>
             <a:pPr lvl="1"/>
@@ -4966,19 +4965,31 @@
             </a:r>
             <a:r>
               <a:rPr lang="ja-JP" altLang="en-US" dirty="0" smtClean="0"/>
-              <a:t>も使う</a:t>
+              <a:t>も</a:t>
+            </a:r>
+            <a:r>
+              <a:rPr lang="ja-JP" altLang="en-US" dirty="0" smtClean="0"/>
+              <a:t>使う</a:t>
             </a:r>
             <a:endParaRPr lang="en-US" altLang="ja-JP" dirty="0" smtClean="0"/>
           </a:p>
           <a:p>
             <a:pPr lvl="1"/>
             <a:r>
+              <a:rPr lang="en-US" altLang="ja-JP" dirty="0" err="1" smtClean="0"/>
+              <a:t>OculusRift</a:t>
+            </a:r>
+            <a:r>
               <a:rPr lang="ja-JP" altLang="en-US" dirty="0" smtClean="0"/>
-              <a:t>没入感の</a:t>
-            </a:r>
+              <a:t>を使う</a:t>
+            </a:r>
+            <a:endParaRPr lang="en-US" altLang="ja-JP" dirty="0" smtClean="0"/>
+          </a:p>
+          <a:p>
+            <a:pPr lvl="1"/>
             <a:r>
               <a:rPr lang="ja-JP" altLang="en-US" dirty="0" smtClean="0"/>
-              <a:t>上昇</a:t>
+              <a:t>没入感の上昇</a:t>
             </a:r>
             <a:endParaRPr lang="en-US" altLang="ja-JP" dirty="0" smtClean="0"/>
           </a:p>
@@ -5188,25 +5199,33 @@
               </a:rPr>
               <a:t>		×</a:t>
             </a:r>
-          </a:p>
-          <a:p>
-            <a:r>
-              <a:rPr lang="en-US" altLang="ja-JP" dirty="0" smtClean="0">
+            <a:endParaRPr lang="en-US" altLang="ja-JP" dirty="0" smtClean="0">
+              <a:latin typeface="HG丸ｺﾞｼｯｸM-PRO"/>
+              <a:cs typeface="HG丸ｺﾞｼｯｸM-PRO"/>
+            </a:endParaRPr>
+          </a:p>
+          <a:p>
+            <a:r>
+              <a:rPr lang="en-US" altLang="ja-JP" dirty="0" err="1" smtClean="0">
                 <a:solidFill>
                   <a:schemeClr val="accent4"/>
                 </a:solidFill>
                 <a:latin typeface="HG丸ｺﾞｼｯｸM-PRO"/>
                 <a:cs typeface="HG丸ｺﾞｼｯｸM-PRO"/>
               </a:rPr>
-              <a:t>H</a:t>
-            </a:r>
-            <a:r>
-              <a:rPr lang="en-US" altLang="ja-JP" dirty="0" smtClean="0">
+              <a:t>O</a:t>
+            </a:r>
+            <a:r>
+              <a:rPr lang="en-US" altLang="ja-JP" dirty="0" err="1" smtClean="0">
                 <a:latin typeface="HG丸ｺﾞｼｯｸM-PRO"/>
                 <a:cs typeface="HG丸ｺﾞｼｯｸM-PRO"/>
               </a:rPr>
-              <a:t>MD</a:t>
-            </a:r>
+              <a:t>culusRift</a:t>
+            </a:r>
+            <a:endParaRPr lang="en-US" altLang="ja-JP" dirty="0" smtClean="0">
+              <a:latin typeface="HG丸ｺﾞｼｯｸM-PRO"/>
+              <a:cs typeface="HG丸ｺﾞｼｯｸM-PRO"/>
+            </a:endParaRPr>
           </a:p>
           <a:p>
             <a:endParaRPr lang="en-US" altLang="ja-JP" dirty="0" smtClean="0"/>
@@ -5406,11 +5425,7 @@
             </a:r>
             <a:r>
               <a:rPr lang="en-US" altLang="ja-JP" dirty="0" smtClean="0"/>
-              <a:t>OS X</a:t>
-            </a:r>
-            <a:r>
-              <a:rPr lang="en-US" altLang="ja-JP" dirty="0" smtClean="0"/>
-              <a:t> </a:t>
+              <a:t>OS X </a:t>
             </a:r>
           </a:p>
           <a:p>
@@ -5443,25 +5458,6 @@
               <a:rPr lang="en-US" altLang="ja-JP" dirty="0" smtClean="0"/>
               <a:t>Processing</a:t>
             </a:r>
-          </a:p>
-          <a:p>
-            <a:pPr marL="704088" lvl="2" indent="-384048">
-              <a:buSzPct val="80000"/>
-              <a:buFont typeface="Wingdings 2"/>
-              <a:buChar char=""/>
-            </a:pPr>
-            <a:r>
-              <a:rPr lang="en-US" altLang="ja-JP" dirty="0" err="1" smtClean="0"/>
-              <a:t>javascript</a:t>
-            </a:r>
-            <a:endParaRPr lang="en-US" altLang="ja-JP" dirty="0" smtClean="0"/>
-          </a:p>
-          <a:p>
-            <a:pPr marL="704088" lvl="2" indent="-384048">
-              <a:buSzPct val="80000"/>
-              <a:buFont typeface="Wingdings 2"/>
-              <a:buChar char=""/>
-            </a:pPr>
             <a:endParaRPr lang="en-US" altLang="ja-JP" dirty="0" smtClean="0"/>
           </a:p>
         </p:txBody>
@@ -5622,6 +5618,20 @@
               </a:rPr>
               <a:t>ARDroneForP5</a:t>
             </a:r>
+            <a:endParaRPr kumimoji="1" lang="en-US" altLang="ja-JP" sz="2400" b="0" i="0" u="none" strike="noStrike" kern="1200" cap="none" spc="0" normalizeH="0" baseline="0" noProof="0" dirty="0" smtClean="0">
+              <a:ln>
+                <a:noFill/>
+              </a:ln>
+              <a:solidFill>
+                <a:srgbClr val="000000"/>
+              </a:solidFill>
+              <a:effectLst/>
+              <a:uLnTx/>
+              <a:uFillTx/>
+              <a:latin typeface="+mn-lt"/>
+              <a:ea typeface="HG丸ｺﾞｼｯｸM-PRO"/>
+              <a:cs typeface="+mn-cs"/>
+            </a:endParaRPr>
           </a:p>
           <a:p>
             <a:pPr marL="704088" marR="0" lvl="2" indent="-384048" algn="l" defTabSz="914400" rtl="0" eaLnBrk="1" fontAlgn="auto" latinLnBrk="0" hangingPunct="1">
@@ -5643,15 +5653,6 @@
               <a:tabLst/>
               <a:defRPr/>
             </a:pPr>
-            <a:r>
-              <a:rPr lang="en-US" altLang="ja-JP" sz="2400" dirty="0" err="1" smtClean="0">
-                <a:solidFill>
-                  <a:srgbClr val="000000"/>
-                </a:solidFill>
-                <a:ea typeface="HG丸ｺﾞｼｯｸM-PRO"/>
-              </a:rPr>
-              <a:t>vr.js</a:t>
-            </a:r>
             <a:endParaRPr kumimoji="1" lang="en-US" altLang="ja-JP" sz="2000" b="0" i="0" u="none" strike="noStrike" kern="1200" cap="none" spc="0" normalizeH="0" baseline="0" noProof="0" dirty="0" smtClean="0">
               <a:ln>
                 <a:noFill/>
@@ -5672,7 +5673,7 @@
     </p:spTree>
     <p:extLst>
       <p:ext uri="{BB962C8B-B14F-4D97-AF65-F5344CB8AC3E}">
-        <p14:creationId xmlns="" xmlns:a="http://schemas.openxmlformats.org/drawingml/2006/main" xmlns:r="http://schemas.openxmlformats.org/officeDocument/2006/relationships" xmlns:p="http://schemas.openxmlformats.org/presentationml/2006/main" xmlns:p14="http://schemas.microsoft.com/office/powerpoint/2010/main" xmlns:mv="urn:schemas-microsoft-com:mac:vml" xmlns:mc="http://schemas.openxmlformats.org/markup-compatibility/2006" val="2613616601"/>
+        <p14:creationId xmlns:mc="http://schemas.openxmlformats.org/markup-compatibility/2006" xmlns:mv="urn:schemas-microsoft-com:mac:vml" xmlns:p14="http://schemas.microsoft.com/office/powerpoint/2010/main" xmlns:p="http://schemas.openxmlformats.org/presentationml/2006/main" xmlns:r="http://schemas.openxmlformats.org/officeDocument/2006/relationships" xmlns:a="http://schemas.openxmlformats.org/drawingml/2006/main" xmlns="" val="2613616601"/>
       </p:ext>
     </p:extLst>
   </p:cSld>
@@ -5749,116 +5750,6 @@
           </a:bodyPr>
           <a:lstStyle/>
           <a:p>
-            <a:r>
-              <a:rPr lang="ja-JP" altLang="en-US" dirty="0" smtClean="0"/>
-              <a:t>コンセプト</a:t>
-            </a:r>
-            <a:endParaRPr lang="en-US" altLang="ja-JP" dirty="0" smtClean="0"/>
-          </a:p>
-          <a:p>
-            <a:pPr lvl="1"/>
-            <a:r>
-              <a:rPr lang="ja-JP" altLang="en-US" dirty="0" smtClean="0"/>
-              <a:t>身体感覚の拡張</a:t>
-            </a:r>
-            <a:endParaRPr lang="en-US" altLang="ja-JP" dirty="0" smtClean="0"/>
-          </a:p>
-          <a:p>
-            <a:endParaRPr lang="en-US" altLang="ja-JP" dirty="0" smtClean="0"/>
-          </a:p>
-          <a:p>
-            <a:pPr lvl="1"/>
-            <a:r>
-              <a:rPr lang="ja-JP" altLang="en-US" dirty="0" smtClean="0"/>
-              <a:t>実世界にフィードバック</a:t>
-            </a:r>
-            <a:endParaRPr lang="en-US" altLang="ja-JP" dirty="0" smtClean="0"/>
-          </a:p>
-          <a:p>
-            <a:pPr lvl="2"/>
-            <a:r>
-              <a:rPr lang="ja-JP" altLang="en-US" dirty="0" smtClean="0"/>
-              <a:t>新しい</a:t>
-            </a:r>
-            <a:r>
-              <a:rPr lang="en-US" altLang="ja-JP" dirty="0" err="1" smtClean="0"/>
-              <a:t>Kinect</a:t>
-            </a:r>
-            <a:r>
-              <a:rPr lang="ja-JP" altLang="en-US" dirty="0" smtClean="0"/>
-              <a:t>の利用方法</a:t>
-            </a:r>
-            <a:endParaRPr lang="en-US" altLang="ja-JP" dirty="0" smtClean="0"/>
-          </a:p>
-          <a:p>
-            <a:pPr lvl="2"/>
-            <a:endParaRPr lang="en-US" altLang="ja-JP" dirty="0" smtClean="0"/>
-          </a:p>
-          <a:p>
-            <a:pPr>
-              <a:buNone/>
-            </a:pPr>
-            <a:r>
-              <a:rPr lang="en-US" altLang="ja-JP" sz="2595" dirty="0" smtClean="0"/>
-              <a:t>	</a:t>
-            </a:r>
-            <a:r>
-              <a:rPr lang="en-US" altLang="ja-JP" sz="2595" dirty="0" err="1" smtClean="0"/>
-              <a:t>Kinect</a:t>
-            </a:r>
-            <a:r>
-              <a:rPr lang="ja-JP" altLang="en-US" sz="2595" dirty="0" smtClean="0"/>
-              <a:t>を用い</a:t>
-            </a:r>
-            <a:r>
-              <a:rPr lang="en-US" altLang="ja-JP" sz="2595" dirty="0" err="1" smtClean="0"/>
-              <a:t>AR.Drone</a:t>
-            </a:r>
-            <a:r>
-              <a:rPr lang="ja-JP" altLang="en-US" sz="2595" dirty="0" smtClean="0"/>
-              <a:t>を体全体で操作する。この時</a:t>
-            </a:r>
-            <a:r>
-              <a:rPr lang="en-US" altLang="ja-JP" sz="2595" dirty="0" err="1" smtClean="0"/>
-              <a:t>AR.Drone</a:t>
-            </a:r>
-            <a:r>
-              <a:rPr lang="ja-JP" altLang="en-US" sz="2595" dirty="0" smtClean="0"/>
-              <a:t>のカメラ映像をリアルタイムに</a:t>
-            </a:r>
-            <a:r>
-              <a:rPr lang="en-US" altLang="ja-JP" sz="2595" dirty="0" smtClean="0"/>
-              <a:t>HMD</a:t>
-            </a:r>
-            <a:r>
-              <a:rPr lang="ja-JP" altLang="en-US" sz="2595" dirty="0" smtClean="0"/>
-              <a:t>に表示する。</a:t>
-            </a:r>
-            <a:endParaRPr lang="en-US" altLang="ja-JP" sz="2595" dirty="0" smtClean="0"/>
-          </a:p>
-          <a:p>
-            <a:pPr>
-              <a:buNone/>
-            </a:pPr>
-            <a:r>
-              <a:rPr lang="en-US" altLang="ja-JP" sz="2595" dirty="0" smtClean="0"/>
-              <a:t>	</a:t>
-            </a:r>
-            <a:r>
-              <a:rPr lang="ja-JP" altLang="en-US" sz="2595" dirty="0" smtClean="0"/>
-              <a:t>これにより</a:t>
-            </a:r>
-            <a:r>
-              <a:rPr lang="en-US" altLang="ja-JP" sz="2595" dirty="0" err="1" smtClean="0"/>
-              <a:t>AR.Drone</a:t>
-            </a:r>
-            <a:r>
-              <a:rPr lang="ja-JP" altLang="en-US" sz="2595" dirty="0" smtClean="0"/>
-              <a:t>の空を飛んでいる感覚を共有することで、身体感覚の拡張を目指す。</a:t>
-            </a:r>
-            <a:endParaRPr lang="en-US" altLang="ja-JP" sz="2595" dirty="0" smtClean="0"/>
-          </a:p>
-          <a:p>
             <a:endParaRPr lang="en-US" altLang="ja-JP" dirty="0" smtClean="0"/>
           </a:p>
           <a:p>
@@ -5876,6 +5767,30 @@
           </a:p>
         </p:txBody>
       </p:sp>
+      <p:pic>
+        <p:nvPicPr>
+          <p:cNvPr id="4" name="図 3" descr="image0_2.png"/>
+          <p:cNvPicPr>
+            <a:picLocks noChangeAspect="1"/>
+          </p:cNvPicPr>
+          <p:nvPr/>
+        </p:nvPicPr>
+        <p:blipFill>
+          <a:blip r:embed="rId2"/>
+          <a:stretch>
+            <a:fillRect/>
+          </a:stretch>
+        </p:blipFill>
+        <p:spPr>
+          <a:xfrm>
+            <a:off x="0" y="1171180"/>
+            <a:ext cx="9144000" cy="2438400"/>
+          </a:xfrm>
+          <a:prstGeom prst="rect">
+            <a:avLst/>
+          </a:prstGeom>
+        </p:spPr>
+      </p:pic>
     </p:spTree>
   </p:cSld>
   <p:clrMapOvr>
@@ -6183,7 +6098,7 @@
           <a:blip r:embed="rId2">
             <a:extLst>
               <a:ext uri="{28A0092B-C50C-407E-A947-70E740481C1C}">
-                <a14:useLocalDpi xmlns="" xmlns:a="http://schemas.openxmlformats.org/drawingml/2006/main" xmlns:r="http://schemas.openxmlformats.org/officeDocument/2006/relationships" xmlns:p="http://schemas.openxmlformats.org/presentationml/2006/main" xmlns:a14="http://schemas.microsoft.com/office/drawing/2010/main" xmlns:mv="urn:schemas-microsoft-com:mac:vml" xmlns:mc="http://schemas.openxmlformats.org/markup-compatibility/2006" val="0"/>
+                <a14:useLocalDpi xmlns:mc="http://schemas.openxmlformats.org/markup-compatibility/2006" xmlns:mv="urn:schemas-microsoft-com:mac:vml" xmlns:a14="http://schemas.microsoft.com/office/drawing/2010/main" xmlns:p="http://schemas.openxmlformats.org/presentationml/2006/main" xmlns:r="http://schemas.openxmlformats.org/officeDocument/2006/relationships" xmlns:a="http://schemas.openxmlformats.org/drawingml/2006/main" xmlns="" val="0"/>
               </a:ext>
             </a:extLst>
           </a:blip>

--- a/KinecDroneFin.pptx
+++ b/KinecDroneFin.pptx
@@ -1,24 +1,28 @@
 
 <file path=ppt/presentation.xml><?xml version="1.0" encoding="utf-8"?>
-<p:presentation xmlns:a="http://schemas.openxmlformats.org/drawingml/2006/main" xmlns:r="http://schemas.openxmlformats.org/officeDocument/2006/relationships" xmlns:mc="http://schemas.openxmlformats.org/markup-compatibility/2006" xmlns:mv="urn:schemas-microsoft-com:mac:vml" xmlns:p="http://schemas.openxmlformats.org/presentationml/2006/main" mc:Ignorable="mv" mc:PreserveAttributes="mv:*" saveSubsetFonts="1" autoCompressPictures="0">
+<p:presentation xmlns:a="http://schemas.openxmlformats.org/drawingml/2006/main" xmlns:r="http://schemas.openxmlformats.org/officeDocument/2006/relationships" xmlns:p="http://schemas.openxmlformats.org/presentationml/2006/main" saveSubsetFonts="1" autoCompressPictures="0">
   <p:sldMasterIdLst>
     <p:sldMasterId id="2147483672" r:id="rId1"/>
   </p:sldMasterIdLst>
   <p:handoutMasterIdLst>
-    <p:handoutMasterId r:id="rId13"/>
+    <p:handoutMasterId r:id="rId17"/>
   </p:handoutMasterIdLst>
   <p:sldIdLst>
     <p:sldId id="267" r:id="rId2"/>
-    <p:sldId id="281" r:id="rId3"/>
-    <p:sldId id="282" r:id="rId4"/>
-    <p:sldId id="279" r:id="rId5"/>
-    <p:sldId id="276" r:id="rId6"/>
-    <p:sldId id="269" r:id="rId7"/>
-    <p:sldId id="271" r:id="rId8"/>
-    <p:sldId id="272" r:id="rId9"/>
-    <p:sldId id="273" r:id="rId10"/>
-    <p:sldId id="274" r:id="rId11"/>
-    <p:sldId id="280" r:id="rId12"/>
+    <p:sldId id="279" r:id="rId3"/>
+    <p:sldId id="284" r:id="rId4"/>
+    <p:sldId id="285" r:id="rId5"/>
+    <p:sldId id="286" r:id="rId6"/>
+    <p:sldId id="287" r:id="rId7"/>
+    <p:sldId id="281" r:id="rId8"/>
+    <p:sldId id="282" r:id="rId9"/>
+    <p:sldId id="276" r:id="rId10"/>
+    <p:sldId id="269" r:id="rId11"/>
+    <p:sldId id="271" r:id="rId12"/>
+    <p:sldId id="272" r:id="rId13"/>
+    <p:sldId id="273" r:id="rId14"/>
+    <p:sldId id="274" r:id="rId15"/>
+    <p:sldId id="280" r:id="rId16"/>
   </p:sldIdLst>
   <p:sldSz cx="9144000" cy="6858000" type="screen4x3"/>
   <p:notesSz cx="6858000" cy="9144000"/>
@@ -121,7 +125,7 @@
 </file>
 
 <file path=ppt/handoutMasters/handoutMaster1.xml><?xml version="1.0" encoding="utf-8"?>
-<p:handoutMaster xmlns:a="http://schemas.openxmlformats.org/drawingml/2006/main" xmlns:r="http://schemas.openxmlformats.org/officeDocument/2006/relationships" xmlns:mc="http://schemas.openxmlformats.org/markup-compatibility/2006" xmlns:mv="urn:schemas-microsoft-com:mac:vml" xmlns:p="http://schemas.openxmlformats.org/presentationml/2006/main" mc:Ignorable="mv" mc:PreserveAttributes="mv:*">
+<p:handoutMaster xmlns:a="http://schemas.openxmlformats.org/drawingml/2006/main" xmlns:r="http://schemas.openxmlformats.org/officeDocument/2006/relationships" xmlns:p="http://schemas.openxmlformats.org/presentationml/2006/main">
   <p:cSld>
     <p:bg>
       <p:bgRef idx="1001">
@@ -203,7 +207,7 @@
             <a:fld id="{71F336B0-9858-924E-842F-491D2DB7BF35}" type="datetimeFigureOut">
               <a:rPr lang="ja-JP" altLang="en-US" smtClean="0"/>
               <a:pPr/>
-              <a:t>13.12.9</a:t>
+              <a:t>12/12/13</a:t>
             </a:fld>
             <a:endParaRPr lang="ja-JP" altLang="en-US"/>
           </a:p>
@@ -279,7 +283,7 @@
     </p:spTree>
     <p:extLst>
       <p:ext uri="{BB962C8B-B14F-4D97-AF65-F5344CB8AC3E}">
-        <p14:creationId xmlns:mc="http://schemas.openxmlformats.org/markup-compatibility/2006" xmlns:mv="urn:schemas-microsoft-com:mac:vml" xmlns:p14="http://schemas.microsoft.com/office/powerpoint/2010/main" xmlns:p="http://schemas.openxmlformats.org/presentationml/2006/main" xmlns:r="http://schemas.openxmlformats.org/officeDocument/2006/relationships" xmlns:a="http://schemas.openxmlformats.org/drawingml/2006/main" xmlns="" val="1976769317"/>
+        <p14:creationId xmlns:p14="http://schemas.microsoft.com/office/powerpoint/2010/main" val="1976769317"/>
       </p:ext>
     </p:extLst>
   </p:cSld>
@@ -288,7 +292,7 @@
 </file>
 
 <file path=ppt/slideLayouts/slideLayout1.xml><?xml version="1.0" encoding="utf-8"?>
-<p:sldLayout xmlns:a="http://schemas.openxmlformats.org/drawingml/2006/main" xmlns:r="http://schemas.openxmlformats.org/officeDocument/2006/relationships" xmlns:mc="http://schemas.openxmlformats.org/markup-compatibility/2006" xmlns:mv="urn:schemas-microsoft-com:mac:vml" xmlns:p="http://schemas.openxmlformats.org/presentationml/2006/main" mc:Ignorable="mv" mc:PreserveAttributes="mv:*" showMasterSp="0" type="title" preserve="1">
+<p:sldLayout xmlns:a="http://schemas.openxmlformats.org/drawingml/2006/main" xmlns:r="http://schemas.openxmlformats.org/officeDocument/2006/relationships" xmlns:p="http://schemas.openxmlformats.org/presentationml/2006/main" showMasterSp="0" type="title" preserve="1">
   <p:cSld name="タイトル スライド">
     <p:bg>
       <p:bgRef idx="1002">
@@ -680,7 +684,7 @@
             <a:fld id="{8839B124-D151-7E40-BD00-8DC927F036D0}" type="datetimeFigureOut">
               <a:rPr lang="ja-JP" altLang="en-US" smtClean="0"/>
               <a:pPr/>
-              <a:t>13.12.9</a:t>
+              <a:t>12/12/13</a:t>
             </a:fld>
             <a:endParaRPr lang="ja-JP" altLang="en-US"/>
           </a:p>
@@ -754,7 +758,7 @@
 </file>
 
 <file path=ppt/slideLayouts/slideLayout10.xml><?xml version="1.0" encoding="utf-8"?>
-<p:sldLayout xmlns:a="http://schemas.openxmlformats.org/drawingml/2006/main" xmlns:r="http://schemas.openxmlformats.org/officeDocument/2006/relationships" xmlns:mc="http://schemas.openxmlformats.org/markup-compatibility/2006" xmlns:mv="urn:schemas-microsoft-com:mac:vml" xmlns:p="http://schemas.openxmlformats.org/presentationml/2006/main" mc:Ignorable="mv" mc:PreserveAttributes="mv:*" type="vertTx" preserve="1">
+<p:sldLayout xmlns:a="http://schemas.openxmlformats.org/drawingml/2006/main" xmlns:r="http://schemas.openxmlformats.org/officeDocument/2006/relationships" xmlns:p="http://schemas.openxmlformats.org/presentationml/2006/main" type="vertTx" preserve="1">
   <p:cSld name="タイトルと縦書きテキスト">
     <p:spTree>
       <p:nvGrpSpPr>
@@ -903,7 +907,7 @@
             <a:fld id="{8839B124-D151-7E40-BD00-8DC927F036D0}" type="datetimeFigureOut">
               <a:rPr lang="ja-JP" altLang="en-US" smtClean="0"/>
               <a:pPr/>
-              <a:t>13.12.9</a:t>
+              <a:t>12/12/13</a:t>
             </a:fld>
             <a:endParaRPr lang="ja-JP" altLang="en-US"/>
           </a:p>
@@ -977,7 +981,7 @@
 </file>
 
 <file path=ppt/slideLayouts/slideLayout11.xml><?xml version="1.0" encoding="utf-8"?>
-<p:sldLayout xmlns:a="http://schemas.openxmlformats.org/drawingml/2006/main" xmlns:r="http://schemas.openxmlformats.org/officeDocument/2006/relationships" xmlns:mc="http://schemas.openxmlformats.org/markup-compatibility/2006" xmlns:mv="urn:schemas-microsoft-com:mac:vml" xmlns:p="http://schemas.openxmlformats.org/presentationml/2006/main" mc:Ignorable="mv" mc:PreserveAttributes="mv:*" type="vertTitleAndTx" preserve="1">
+<p:sldLayout xmlns:a="http://schemas.openxmlformats.org/drawingml/2006/main" xmlns:r="http://schemas.openxmlformats.org/officeDocument/2006/relationships" xmlns:p="http://schemas.openxmlformats.org/presentationml/2006/main" type="vertTitleAndTx" preserve="1">
   <p:cSld name="縦書きタイトル/テキスト">
     <p:spTree>
       <p:nvGrpSpPr>
@@ -1136,7 +1140,7 @@
             <a:fld id="{8839B124-D151-7E40-BD00-8DC927F036D0}" type="datetimeFigureOut">
               <a:rPr lang="ja-JP" altLang="en-US" smtClean="0"/>
               <a:pPr/>
-              <a:t>13.12.9</a:t>
+              <a:t>12/12/13</a:t>
             </a:fld>
             <a:endParaRPr lang="ja-JP" altLang="en-US"/>
           </a:p>
@@ -1210,7 +1214,7 @@
 </file>
 
 <file path=ppt/slideLayouts/slideLayout2.xml><?xml version="1.0" encoding="utf-8"?>
-<p:sldLayout xmlns:a="http://schemas.openxmlformats.org/drawingml/2006/main" xmlns:r="http://schemas.openxmlformats.org/officeDocument/2006/relationships" xmlns:mc="http://schemas.openxmlformats.org/markup-compatibility/2006" xmlns:mv="urn:schemas-microsoft-com:mac:vml" xmlns:p="http://schemas.openxmlformats.org/presentationml/2006/main" mc:Ignorable="mv" mc:PreserveAttributes="mv:*" type="obj" preserve="1">
+<p:sldLayout xmlns:a="http://schemas.openxmlformats.org/drawingml/2006/main" xmlns:r="http://schemas.openxmlformats.org/officeDocument/2006/relationships" xmlns:p="http://schemas.openxmlformats.org/presentationml/2006/main" type="obj" preserve="1">
   <p:cSld name="タイトルとコンテンツ">
     <p:spTree>
       <p:nvGrpSpPr>
@@ -1363,7 +1367,7 @@
             <a:fld id="{8839B124-D151-7E40-BD00-8DC927F036D0}" type="datetimeFigureOut">
               <a:rPr lang="ja-JP" altLang="en-US" smtClean="0"/>
               <a:pPr/>
-              <a:t>13.12.9</a:t>
+              <a:t>12/12/13</a:t>
             </a:fld>
             <a:endParaRPr lang="ja-JP" altLang="en-US"/>
           </a:p>
@@ -1437,7 +1441,7 @@
 </file>
 
 <file path=ppt/slideLayouts/slideLayout3.xml><?xml version="1.0" encoding="utf-8"?>
-<p:sldLayout xmlns:a="http://schemas.openxmlformats.org/drawingml/2006/main" xmlns:r="http://schemas.openxmlformats.org/officeDocument/2006/relationships" xmlns:mc="http://schemas.openxmlformats.org/markup-compatibility/2006" xmlns:mv="urn:schemas-microsoft-com:mac:vml" xmlns:p="http://schemas.openxmlformats.org/presentationml/2006/main" mc:Ignorable="mv" mc:PreserveAttributes="mv:*" showMasterSp="0" type="secHead" preserve="1">
+<p:sldLayout xmlns:a="http://schemas.openxmlformats.org/drawingml/2006/main" xmlns:r="http://schemas.openxmlformats.org/officeDocument/2006/relationships" xmlns:p="http://schemas.openxmlformats.org/presentationml/2006/main" showMasterSp="0" type="secHead" preserve="1">
   <p:cSld name="セクション ヘッダー">
     <p:bg>
       <p:bgRef idx="1002">
@@ -1844,7 +1848,7 @@
             <a:fld id="{8839B124-D151-7E40-BD00-8DC927F036D0}" type="datetimeFigureOut">
               <a:rPr lang="ja-JP" altLang="en-US" smtClean="0"/>
               <a:pPr/>
-              <a:t>13.12.9</a:t>
+              <a:t>12/12/13</a:t>
             </a:fld>
             <a:endParaRPr lang="ja-JP" altLang="en-US"/>
           </a:p>
@@ -1918,7 +1922,7 @@
 </file>
 
 <file path=ppt/slideLayouts/slideLayout4.xml><?xml version="1.0" encoding="utf-8"?>
-<p:sldLayout xmlns:a="http://schemas.openxmlformats.org/drawingml/2006/main" xmlns:r="http://schemas.openxmlformats.org/officeDocument/2006/relationships" xmlns:mc="http://schemas.openxmlformats.org/markup-compatibility/2006" xmlns:mv="urn:schemas-microsoft-com:mac:vml" xmlns:p="http://schemas.openxmlformats.org/presentationml/2006/main" mc:Ignorable="mv" mc:PreserveAttributes="mv:*" type="twoObj" preserve="1">
+<p:sldLayout xmlns:a="http://schemas.openxmlformats.org/drawingml/2006/main" xmlns:r="http://schemas.openxmlformats.org/officeDocument/2006/relationships" xmlns:p="http://schemas.openxmlformats.org/presentationml/2006/main" type="twoObj" preserve="1">
   <p:cSld name="2 つのコンテンツ">
     <p:spTree>
       <p:nvGrpSpPr>
@@ -2198,7 +2202,7 @@
             <a:fld id="{8839B124-D151-7E40-BD00-8DC927F036D0}" type="datetimeFigureOut">
               <a:rPr lang="ja-JP" altLang="en-US" smtClean="0"/>
               <a:pPr/>
-              <a:t>13.12.9</a:t>
+              <a:t>12/12/13</a:t>
             </a:fld>
             <a:endParaRPr lang="ja-JP" altLang="en-US"/>
           </a:p>
@@ -2272,7 +2276,7 @@
 </file>
 
 <file path=ppt/slideLayouts/slideLayout5.xml><?xml version="1.0" encoding="utf-8"?>
-<p:sldLayout xmlns:a="http://schemas.openxmlformats.org/drawingml/2006/main" xmlns:r="http://schemas.openxmlformats.org/officeDocument/2006/relationships" xmlns:mc="http://schemas.openxmlformats.org/markup-compatibility/2006" xmlns:mv="urn:schemas-microsoft-com:mac:vml" xmlns:p="http://schemas.openxmlformats.org/presentationml/2006/main" mc:Ignorable="mv" mc:PreserveAttributes="mv:*" showMasterSp="0" type="twoTxTwoObj" preserve="1">
+<p:sldLayout xmlns:a="http://schemas.openxmlformats.org/drawingml/2006/main" xmlns:r="http://schemas.openxmlformats.org/officeDocument/2006/relationships" xmlns:p="http://schemas.openxmlformats.org/presentationml/2006/main" showMasterSp="0" type="twoTxTwoObj" preserve="1">
   <p:cSld name="比較">
     <p:spTree>
       <p:nvGrpSpPr>
@@ -2662,7 +2666,7 @@
             <a:fld id="{8839B124-D151-7E40-BD00-8DC927F036D0}" type="datetimeFigureOut">
               <a:rPr lang="ja-JP" altLang="en-US" smtClean="0"/>
               <a:pPr/>
-              <a:t>13.12.9</a:t>
+              <a:t>12/12/13</a:t>
             </a:fld>
             <a:endParaRPr lang="ja-JP" altLang="en-US"/>
           </a:p>
@@ -2736,7 +2740,7 @@
 </file>
 
 <file path=ppt/slideLayouts/slideLayout6.xml><?xml version="1.0" encoding="utf-8"?>
-<p:sldLayout xmlns:a="http://schemas.openxmlformats.org/drawingml/2006/main" xmlns:r="http://schemas.openxmlformats.org/officeDocument/2006/relationships" xmlns:mc="http://schemas.openxmlformats.org/markup-compatibility/2006" xmlns:mv="urn:schemas-microsoft-com:mac:vml" xmlns:p="http://schemas.openxmlformats.org/presentationml/2006/main" mc:Ignorable="mv" mc:PreserveAttributes="mv:*" type="titleOnly" preserve="1">
+<p:sldLayout xmlns:a="http://schemas.openxmlformats.org/drawingml/2006/main" xmlns:r="http://schemas.openxmlformats.org/officeDocument/2006/relationships" xmlns:p="http://schemas.openxmlformats.org/presentationml/2006/main" type="titleOnly" preserve="1">
   <p:cSld name="タイトルのみ">
     <p:spTree>
       <p:nvGrpSpPr>
@@ -2810,7 +2814,7 @@
             <a:fld id="{8839B124-D151-7E40-BD00-8DC927F036D0}" type="datetimeFigureOut">
               <a:rPr lang="ja-JP" altLang="en-US" smtClean="0"/>
               <a:pPr/>
-              <a:t>13.12.9</a:t>
+              <a:t>12/12/13</a:t>
             </a:fld>
             <a:endParaRPr lang="ja-JP" altLang="en-US"/>
           </a:p>
@@ -2884,7 +2888,7 @@
 </file>
 
 <file path=ppt/slideLayouts/slideLayout7.xml><?xml version="1.0" encoding="utf-8"?>
-<p:sldLayout xmlns:a="http://schemas.openxmlformats.org/drawingml/2006/main" xmlns:r="http://schemas.openxmlformats.org/officeDocument/2006/relationships" xmlns:mc="http://schemas.openxmlformats.org/markup-compatibility/2006" xmlns:mv="urn:schemas-microsoft-com:mac:vml" xmlns:p="http://schemas.openxmlformats.org/presentationml/2006/main" mc:Ignorable="mv" mc:PreserveAttributes="mv:*" type="blank" preserve="1">
+<p:sldLayout xmlns:a="http://schemas.openxmlformats.org/drawingml/2006/main" xmlns:r="http://schemas.openxmlformats.org/officeDocument/2006/relationships" xmlns:p="http://schemas.openxmlformats.org/presentationml/2006/main" type="blank" preserve="1">
   <p:cSld name="白紙">
     <p:spTree>
       <p:nvGrpSpPr>
@@ -2926,7 +2930,7 @@
             <a:fld id="{8839B124-D151-7E40-BD00-8DC927F036D0}" type="datetimeFigureOut">
               <a:rPr lang="ja-JP" altLang="en-US" smtClean="0"/>
               <a:pPr/>
-              <a:t>13.12.9</a:t>
+              <a:t>12/12/13</a:t>
             </a:fld>
             <a:endParaRPr lang="ja-JP" altLang="en-US"/>
           </a:p>
@@ -3000,7 +3004,7 @@
 </file>
 
 <file path=ppt/slideLayouts/slideLayout8.xml><?xml version="1.0" encoding="utf-8"?>
-<p:sldLayout xmlns:a="http://schemas.openxmlformats.org/drawingml/2006/main" xmlns:r="http://schemas.openxmlformats.org/officeDocument/2006/relationships" xmlns:mc="http://schemas.openxmlformats.org/markup-compatibility/2006" xmlns:mv="urn:schemas-microsoft-com:mac:vml" xmlns:p="http://schemas.openxmlformats.org/presentationml/2006/main" mc:Ignorable="mv" mc:PreserveAttributes="mv:*" type="objTx" preserve="1">
+<p:sldLayout xmlns:a="http://schemas.openxmlformats.org/drawingml/2006/main" xmlns:r="http://schemas.openxmlformats.org/officeDocument/2006/relationships" xmlns:p="http://schemas.openxmlformats.org/presentationml/2006/main" type="objTx" preserve="1">
   <p:cSld name="タイトル付きのコンテンツ">
     <p:spTree>
       <p:nvGrpSpPr>
@@ -3233,7 +3237,7 @@
             <a:fld id="{8839B124-D151-7E40-BD00-8DC927F036D0}" type="datetimeFigureOut">
               <a:rPr lang="ja-JP" altLang="en-US" smtClean="0"/>
               <a:pPr/>
-              <a:t>13.12.9</a:t>
+              <a:t>12/12/13</a:t>
             </a:fld>
             <a:endParaRPr lang="ja-JP" altLang="en-US"/>
           </a:p>
@@ -3307,7 +3311,7 @@
 </file>
 
 <file path=ppt/slideLayouts/slideLayout9.xml><?xml version="1.0" encoding="utf-8"?>
-<p:sldLayout xmlns:a="http://schemas.openxmlformats.org/drawingml/2006/main" xmlns:r="http://schemas.openxmlformats.org/officeDocument/2006/relationships" xmlns:mc="http://schemas.openxmlformats.org/markup-compatibility/2006" xmlns:mv="urn:schemas-microsoft-com:mac:vml" xmlns:p="http://schemas.openxmlformats.org/presentationml/2006/main" mc:Ignorable="mv" mc:PreserveAttributes="mv:*" showMasterSp="0" type="picTx" preserve="1">
+<p:sldLayout xmlns:a="http://schemas.openxmlformats.org/drawingml/2006/main" xmlns:r="http://schemas.openxmlformats.org/officeDocument/2006/relationships" xmlns:p="http://schemas.openxmlformats.org/presentationml/2006/main" showMasterSp="0" type="picTx" preserve="1">
   <p:cSld name="タイトルと図">
     <p:spTree>
       <p:nvGrpSpPr>
@@ -3508,7 +3512,7 @@
             <a:fld id="{8839B124-D151-7E40-BD00-8DC927F036D0}" type="datetimeFigureOut">
               <a:rPr lang="ja-JP" altLang="en-US" smtClean="0"/>
               <a:pPr/>
-              <a:t>13.12.9</a:t>
+              <a:t>12/12/13</a:t>
             </a:fld>
             <a:endParaRPr lang="ja-JP" altLang="en-US"/>
           </a:p>
@@ -3582,7 +3586,7 @@
 </file>
 
 <file path=ppt/slideMasters/slideMaster1.xml><?xml version="1.0" encoding="utf-8"?>
-<p:sldMaster xmlns:a="http://schemas.openxmlformats.org/drawingml/2006/main" xmlns:r="http://schemas.openxmlformats.org/officeDocument/2006/relationships" xmlns:mc="http://schemas.openxmlformats.org/markup-compatibility/2006" xmlns:mv="urn:schemas-microsoft-com:mac:vml" xmlns:p="http://schemas.openxmlformats.org/presentationml/2006/main" mc:Ignorable="mv" mc:PreserveAttributes="mv:*">
+<p:sldMaster xmlns:a="http://schemas.openxmlformats.org/drawingml/2006/main" xmlns:r="http://schemas.openxmlformats.org/officeDocument/2006/relationships" xmlns:p="http://schemas.openxmlformats.org/presentationml/2006/main">
   <p:cSld>
     <p:bg>
       <p:bgPr>
@@ -4033,7 +4037,7 @@
 </file>
 
 <file path=ppt/slides/slide1.xml><?xml version="1.0" encoding="utf-8"?>
-<p:sld xmlns:a="http://schemas.openxmlformats.org/drawingml/2006/main" xmlns:r="http://schemas.openxmlformats.org/officeDocument/2006/relationships" xmlns:mc="http://schemas.openxmlformats.org/markup-compatibility/2006" xmlns:mv="urn:schemas-microsoft-com:mac:vml" xmlns:p="http://schemas.openxmlformats.org/presentationml/2006/main" mc:Ignorable="mv" mc:PreserveAttributes="mv:*">
+<p:sld xmlns:a="http://schemas.openxmlformats.org/drawingml/2006/main" xmlns:r="http://schemas.openxmlformats.org/officeDocument/2006/relationships" xmlns:p="http://schemas.openxmlformats.org/presentationml/2006/main">
   <p:cSld>
     <p:spTree>
       <p:nvGrpSpPr>
@@ -4327,7 +4331,7 @@
   <p:timing>
     <p:tnLst>
       <p:par>
-        <p:cTn id="1" dur="indefinite" restart="never" nodeType="tmRoot"/>
+        <p:cTn xmlns:p14="http://schemas.microsoft.com/office/powerpoint/2010/main" id="1" dur="indefinite" restart="never" nodeType="tmRoot"/>
       </p:par>
     </p:tnLst>
   </p:timing>
@@ -4335,7 +4339,7 @@
 </file>
 
 <file path=ppt/slides/slide10.xml><?xml version="1.0" encoding="utf-8"?>
-<p:sld xmlns:a="http://schemas.openxmlformats.org/drawingml/2006/main" xmlns:r="http://schemas.openxmlformats.org/officeDocument/2006/relationships" xmlns:mc="http://schemas.openxmlformats.org/markup-compatibility/2006" xmlns:mv="urn:schemas-microsoft-com:mac:vml" xmlns:p="http://schemas.openxmlformats.org/presentationml/2006/main" mc:Ignorable="mv" mc:PreserveAttributes="mv:*">
+<p:sld xmlns:a="http://schemas.openxmlformats.org/drawingml/2006/main" xmlns:r="http://schemas.openxmlformats.org/officeDocument/2006/relationships" xmlns:p="http://schemas.openxmlformats.org/presentationml/2006/main">
   <p:cSld>
     <p:spTree>
       <p:nvGrpSpPr>
@@ -4361,73 +4365,49 @@
             <p:ph type="title"/>
           </p:nvPr>
         </p:nvSpPr>
-        <p:spPr/>
+        <p:spPr>
+          <a:xfrm>
+            <a:off x="443545" y="274638"/>
+            <a:ext cx="7467600" cy="896542"/>
+          </a:xfrm>
+        </p:spPr>
+        <p:txBody>
+          <a:bodyPr/>
+          <a:lstStyle/>
+          <a:p>
+            <a:r>
+              <a:rPr lang="en-US" altLang="en-US" dirty="0" smtClean="0"/>
+              <a:t>概要</a:t>
+            </a:r>
+            <a:endParaRPr lang="ja-JP" altLang="en-US" dirty="0"/>
+          </a:p>
+        </p:txBody>
+      </p:sp>
+      <p:sp>
+        <p:nvSpPr>
+          <p:cNvPr id="3" name="コンテンツ プレースホルダ 2"/>
+          <p:cNvSpPr>
+            <a:spLocks noGrp="1"/>
+          </p:cNvSpPr>
+          <p:nvPr>
+            <p:ph idx="1"/>
+          </p:nvPr>
+        </p:nvSpPr>
+        <p:spPr>
+          <a:xfrm>
+            <a:off x="457200" y="1171180"/>
+            <a:ext cx="7467600" cy="5205497"/>
+          </a:xfrm>
+        </p:spPr>
         <p:txBody>
           <a:bodyPr>
             <a:normAutofit/>
           </a:bodyPr>
           <a:lstStyle/>
           <a:p>
-            <a:r>
-              <a:rPr lang="ja-JP" altLang="en-US" dirty="0" smtClean="0"/>
-              <a:t>結果</a:t>
-            </a:r>
-            <a:endParaRPr lang="ja-JP" altLang="en-US" dirty="0"/>
-          </a:p>
-        </p:txBody>
-      </p:sp>
-      <p:sp>
-        <p:nvSpPr>
-          <p:cNvPr id="3" name="コンテンツ プレースホルダ 2"/>
-          <p:cNvSpPr>
-            <a:spLocks noGrp="1"/>
-          </p:cNvSpPr>
-          <p:nvPr>
-            <p:ph idx="1"/>
-          </p:nvPr>
-        </p:nvSpPr>
-        <p:spPr>
-          <a:xfrm>
-            <a:off x="457199" y="857765"/>
-            <a:ext cx="8458201" cy="5295052"/>
-          </a:xfrm>
-        </p:spPr>
-        <p:txBody>
-          <a:bodyPr/>
-          <a:lstStyle/>
-          <a:p>
-            <a:pPr>
-              <a:buNone/>
-            </a:pPr>
             <a:endParaRPr lang="en-US" altLang="ja-JP" dirty="0" smtClean="0"/>
           </a:p>
           <a:p>
-            <a:r>
-              <a:rPr lang="en-US" altLang="ja-JP" dirty="0" err="1" smtClean="0"/>
-              <a:t>AR.Drone</a:t>
-            </a:r>
-            <a:r>
-              <a:rPr lang="ja-JP" altLang="en-US" dirty="0" smtClean="0"/>
-              <a:t>のカメラ映像は画角が狭く、解像度が低いため操作が困難</a:t>
-            </a:r>
-            <a:endParaRPr lang="en-US" altLang="ja-JP" dirty="0" smtClean="0"/>
-          </a:p>
-          <a:p>
-            <a:endParaRPr lang="en-US" altLang="ja-JP" dirty="0" smtClean="0"/>
-          </a:p>
-          <a:p>
-            <a:r>
-              <a:rPr lang="ja-JP" altLang="en-US" dirty="0" smtClean="0"/>
-              <a:t>複雑な動作にすると直感的に操作できなくなる</a:t>
-            </a:r>
-            <a:endParaRPr lang="en-US" altLang="ja-JP" dirty="0" smtClean="0"/>
-          </a:p>
-          <a:p>
-            <a:pPr lvl="1"/>
-            <a:r>
-              <a:rPr lang="ja-JP" altLang="en-US" dirty="0" smtClean="0"/>
-              <a:t>命令の簡易化</a:t>
-            </a:r>
             <a:endParaRPr lang="en-US" altLang="ja-JP" dirty="0" smtClean="0"/>
           </a:p>
           <a:p>
@@ -4435,37 +4415,37 @@
             <a:endParaRPr lang="en-US" altLang="ja-JP" dirty="0" smtClean="0"/>
           </a:p>
           <a:p>
-            <a:r>
-              <a:rPr lang="ja-JP" altLang="en-US" dirty="0" smtClean="0"/>
-              <a:t>ホバリングが安定しない</a:t>
-            </a:r>
             <a:endParaRPr lang="en-US" altLang="ja-JP" dirty="0" smtClean="0"/>
           </a:p>
           <a:p>
-            <a:r>
-              <a:rPr lang="en-US" altLang="ja-JP" dirty="0" err="1" smtClean="0"/>
-              <a:t>Kinect</a:t>
-            </a:r>
-            <a:r>
-              <a:rPr lang="ja-JP" altLang="en-US" dirty="0" smtClean="0"/>
-              <a:t>の骨格認識が外れるときがある</a:t>
-            </a:r>
             <a:endParaRPr lang="en-US" altLang="ja-JP" dirty="0" smtClean="0"/>
           </a:p>
-          <a:p>
-            <a:pPr marL="448056" lvl="1" indent="0">
-              <a:buNone/>
-            </a:pPr>
-            <a:endParaRPr lang="en-US" altLang="ja-JP" dirty="0" smtClean="0"/>
-          </a:p>
-          <a:p>
-            <a:pPr lvl="1">
-              <a:buNone/>
-            </a:pPr>
-            <a:endParaRPr lang="ja-JP" altLang="en-US" dirty="0"/>
-          </a:p>
-        </p:txBody>
-      </p:sp>
+        </p:txBody>
+      </p:sp>
+      <p:pic>
+        <p:nvPicPr>
+          <p:cNvPr id="4" name="図 3" descr="image0_2.png"/>
+          <p:cNvPicPr>
+            <a:picLocks noChangeAspect="1"/>
+          </p:cNvPicPr>
+          <p:nvPr/>
+        </p:nvPicPr>
+        <p:blipFill>
+          <a:blip r:embed="rId2"/>
+          <a:stretch>
+            <a:fillRect/>
+          </a:stretch>
+        </p:blipFill>
+        <p:spPr>
+          <a:xfrm>
+            <a:off x="0" y="1171180"/>
+            <a:ext cx="9144000" cy="2438400"/>
+          </a:xfrm>
+          <a:prstGeom prst="rect">
+            <a:avLst/>
+          </a:prstGeom>
+        </p:spPr>
+      </p:pic>
     </p:spTree>
   </p:cSld>
   <p:clrMapOvr>
@@ -4474,7 +4454,7 @@
   <p:timing>
     <p:tnLst>
       <p:par>
-        <p:cTn id="1" dur="indefinite" restart="never" nodeType="tmRoot"/>
+        <p:cTn xmlns:p14="http://schemas.microsoft.com/office/powerpoint/2010/main" id="1" dur="indefinite" restart="never" nodeType="tmRoot"/>
       </p:par>
     </p:tnLst>
   </p:timing>
@@ -4482,7 +4462,7 @@
 </file>
 
 <file path=ppt/slides/slide11.xml><?xml version="1.0" encoding="utf-8"?>
-<p:sld xmlns:a="http://schemas.openxmlformats.org/drawingml/2006/main" xmlns:r="http://schemas.openxmlformats.org/officeDocument/2006/relationships" xmlns:mc="http://schemas.openxmlformats.org/markup-compatibility/2006" xmlns:mv="urn:schemas-microsoft-com:mac:vml" xmlns:p="http://schemas.openxmlformats.org/presentationml/2006/main" mc:Ignorable="mv" mc:PreserveAttributes="mv:*">
+<p:sld xmlns:a="http://schemas.openxmlformats.org/drawingml/2006/main" xmlns:r="http://schemas.openxmlformats.org/officeDocument/2006/relationships" xmlns:p="http://schemas.openxmlformats.org/presentationml/2006/main">
   <p:cSld>
     <p:spTree>
       <p:nvGrpSpPr>
@@ -4515,7 +4495,7 @@
           <a:p>
             <a:r>
               <a:rPr lang="ja-JP" altLang="en-US" dirty="0" smtClean="0"/>
-              <a:t>コンテストに向けて</a:t>
+              <a:t>背景</a:t>
             </a:r>
             <a:endParaRPr lang="ja-JP" altLang="en-US" dirty="0"/>
           </a:p>
@@ -4531,141 +4511,116 @@
             <p:ph idx="1"/>
           </p:nvPr>
         </p:nvSpPr>
-        <p:spPr/>
+        <p:spPr>
+          <a:xfrm>
+            <a:off x="457199" y="1121694"/>
+            <a:ext cx="8458201" cy="5736306"/>
+          </a:xfrm>
+        </p:spPr>
         <p:txBody>
           <a:bodyPr>
-            <a:normAutofit lnSpcReduction="10000"/>
+            <a:normAutofit fontScale="92500" lnSpcReduction="10000"/>
           </a:bodyPr>
           <a:lstStyle/>
           <a:p>
+            <a:pPr>
+              <a:buNone/>
+            </a:pPr>
+            <a:r>
+              <a:rPr lang="en-US" altLang="ja-JP" dirty="0" smtClean="0"/>
+              <a:t>	</a:t>
+            </a:r>
+            <a:r>
+              <a:rPr lang="en-US" altLang="ja-JP" dirty="0" err="1" smtClean="0"/>
+              <a:t>Kinect</a:t>
+            </a:r>
             <a:r>
               <a:rPr lang="ja-JP" altLang="en-US" dirty="0" smtClean="0"/>
-              <a:t>没入感の向上</a:t>
+              <a:t>コンテストに向けて</a:t>
+            </a:r>
+            <a:r>
+              <a:rPr lang="en-US" altLang="ja-JP" dirty="0" err="1" smtClean="0"/>
+              <a:t>Kinect</a:t>
+            </a:r>
+            <a:r>
+              <a:rPr lang="ja-JP" altLang="en-US" dirty="0" smtClean="0"/>
+              <a:t>を用いたコンテンツの作成をすることになりました。</a:t>
             </a:r>
             <a:endParaRPr lang="en-US" altLang="ja-JP" dirty="0" smtClean="0"/>
           </a:p>
           <a:p>
-            <a:pPr lvl="1"/>
+            <a:pPr>
+              <a:buNone/>
+            </a:pPr>
             <a:r>
               <a:rPr lang="en-US" altLang="ja-JP" dirty="0" smtClean="0"/>
-              <a:t>Oculus </a:t>
+              <a:t>	</a:t>
             </a:r>
             <a:r>
               <a:rPr lang="en-US" altLang="ja-JP" dirty="0" err="1" smtClean="0"/>
-              <a:t>Riftn</a:t>
+              <a:t>Kinect</a:t>
             </a:r>
             <a:r>
               <a:rPr lang="ja-JP" altLang="en-US" dirty="0" smtClean="0"/>
-              <a:t>の利用</a:t>
+              <a:t>の利用されているシチュエーションとして、画面上の何かを実世界の人間の動作により動かすというものが多い。つまり現実世界の動きから仮想世界へのアウトプットを行い、モニターから得られる視覚としてフィードバック得るというものである。</a:t>
             </a:r>
             <a:endParaRPr lang="en-US" altLang="ja-JP" dirty="0" smtClean="0"/>
           </a:p>
           <a:p>
-            <a:pPr lvl="2"/>
+            <a:pPr>
+              <a:buNone/>
+            </a:pPr>
+            <a:r>
+              <a:rPr lang="en-US" altLang="ja-JP" dirty="0" smtClean="0"/>
+              <a:t>	</a:t>
+            </a:r>
             <a:r>
               <a:rPr lang="ja-JP" altLang="en-US" dirty="0" smtClean="0"/>
-              <a:t>首の動きに合わせて</a:t>
-            </a:r>
-            <a:r>
-              <a:rPr lang="en-US" altLang="ja-JP" dirty="0" err="1" smtClean="0"/>
-              <a:t>AR.Drone</a:t>
+              <a:t>また</a:t>
+            </a:r>
+            <a:r>
+              <a:rPr lang="en-US" altLang="ja-JP" dirty="0" smtClean="0"/>
+              <a:t>AR</a:t>
             </a:r>
             <a:r>
               <a:rPr lang="ja-JP" altLang="en-US" dirty="0" smtClean="0"/>
-              <a:t>の回転</a:t>
+              <a:t>の普及が始まり、拡張現実として視覚の拡張が広まりつつある。しかし拡張の可能性は視覚にとどまるものではない。</a:t>
             </a:r>
             <a:endParaRPr lang="en-US" altLang="ja-JP" dirty="0" smtClean="0"/>
           </a:p>
           <a:p>
-            <a:pPr lvl="2"/>
+            <a:pPr>
+              <a:buNone/>
+            </a:pPr>
+            <a:r>
+              <a:rPr lang="en-US" altLang="ja-JP" dirty="0" smtClean="0"/>
+              <a:t>	</a:t>
+            </a:r>
             <a:r>
               <a:rPr lang="ja-JP" altLang="en-US" dirty="0" smtClean="0"/>
-              <a:t>広い画角の確保</a:t>
+              <a:t>そこで私たちはコンセプトを現実世界へのフィードバックと身体感覚の拡張とした。</a:t>
             </a:r>
             <a:endParaRPr lang="en-US" altLang="ja-JP" dirty="0" smtClean="0"/>
           </a:p>
-          <a:p>
-            <a:pPr lvl="2"/>
-            <a:endParaRPr lang="en-US" altLang="ja-JP" dirty="0" smtClean="0"/>
-          </a:p>
-          <a:p>
-            <a:r>
-              <a:rPr lang="ja-JP" altLang="en-US" dirty="0" smtClean="0"/>
-              <a:t>操作性の向上</a:t>
-            </a:r>
-            <a:endParaRPr lang="en-US" altLang="ja-JP" dirty="0" smtClean="0"/>
-          </a:p>
-          <a:p>
-            <a:pPr lvl="1"/>
-            <a:r>
-              <a:rPr lang="ja-JP" altLang="en-US" dirty="0" smtClean="0"/>
-              <a:t>カメラを増やすまたは変えるか画像にエフェクトをつけプレイヤーの視覚情報を補う</a:t>
-            </a:r>
-            <a:endParaRPr lang="en-US" altLang="ja-JP" dirty="0" smtClean="0"/>
-          </a:p>
-          <a:p>
-            <a:pPr lvl="1"/>
-            <a:endParaRPr lang="en-US" altLang="ja-JP" dirty="0" smtClean="0"/>
-          </a:p>
-          <a:p>
-            <a:r>
-              <a:rPr lang="ja-JP" altLang="en-US" dirty="0" smtClean="0"/>
-              <a:t>ユーザテスト</a:t>
-            </a:r>
-            <a:endParaRPr lang="en-US" altLang="ja-JP" dirty="0" smtClean="0"/>
-          </a:p>
-          <a:p>
-            <a:pPr lvl="1"/>
-            <a:r>
-              <a:rPr lang="ja-JP" altLang="en-US" dirty="0" smtClean="0"/>
-              <a:t>没入感や操作性のフィードバックをとる</a:t>
-            </a:r>
-            <a:endParaRPr lang="en-US" altLang="ja-JP" dirty="0" smtClean="0"/>
-          </a:p>
-          <a:p>
-            <a:pPr lvl="2"/>
-            <a:r>
-              <a:rPr lang="ja-JP" altLang="en-US" dirty="0" smtClean="0"/>
-              <a:t>身体感覚の拡張の確認、向上</a:t>
-            </a:r>
-            <a:endParaRPr lang="en-US" altLang="ja-JP" dirty="0" smtClean="0"/>
-          </a:p>
-        </p:txBody>
-      </p:sp>
-      <p:pic>
-        <p:nvPicPr>
-          <p:cNvPr id="4" name="図 3" descr="ocurasHMD.jpeg"/>
-          <p:cNvPicPr>
-            <a:picLocks noChangeAspect="1"/>
-          </p:cNvPicPr>
-          <p:nvPr/>
-        </p:nvPicPr>
-        <p:blipFill>
-          <a:blip r:embed="rId2"/>
-          <a:stretch>
-            <a:fillRect/>
-          </a:stretch>
-        </p:blipFill>
-        <p:spPr>
-          <a:xfrm>
-            <a:off x="6244563" y="2857500"/>
-            <a:ext cx="2032000" cy="1143000"/>
-          </a:xfrm>
-          <a:prstGeom prst="rect">
-            <a:avLst/>
-          </a:prstGeom>
-        </p:spPr>
-      </p:pic>
+        </p:txBody>
+      </p:sp>
     </p:spTree>
   </p:cSld>
   <p:clrMapOvr>
     <a:masterClrMapping/>
   </p:clrMapOvr>
+  <p:timing>
+    <p:tnLst>
+      <p:par>
+        <p:cTn xmlns:p14="http://schemas.microsoft.com/office/powerpoint/2010/main" id="1" dur="indefinite" restart="never" nodeType="tmRoot"/>
+      </p:par>
+    </p:tnLst>
+  </p:timing>
 </p:sld>
 </file>
 
-<file path=ppt/slides/slide2.xml><?xml version="1.0" encoding="utf-8"?>
-<p:sld xmlns:a="http://schemas.openxmlformats.org/drawingml/2006/main" xmlns:r="http://schemas.openxmlformats.org/officeDocument/2006/relationships" xmlns:mc="http://schemas.openxmlformats.org/markup-compatibility/2006" xmlns:mv="urn:schemas-microsoft-com:mac:vml" xmlns:p="http://schemas.openxmlformats.org/presentationml/2006/main" mc:Ignorable="mv" mc:PreserveAttributes="mv:*">
+<file path=ppt/slides/slide12.xml><?xml version="1.0" encoding="utf-8"?>
+<p:sld xmlns:a="http://schemas.openxmlformats.org/drawingml/2006/main" xmlns:r="http://schemas.openxmlformats.org/officeDocument/2006/relationships" xmlns:p="http://schemas.openxmlformats.org/presentationml/2006/main">
   <p:cSld>
     <p:spTree>
       <p:nvGrpSpPr>
@@ -4691,19 +4646,14 @@
             <p:ph type="title"/>
           </p:nvPr>
         </p:nvSpPr>
-        <p:spPr>
-          <a:xfrm>
-            <a:off x="443545" y="274638"/>
-            <a:ext cx="7467600" cy="896542"/>
-          </a:xfrm>
-        </p:spPr>
+        <p:spPr/>
         <p:txBody>
           <a:bodyPr/>
           <a:lstStyle/>
           <a:p>
             <a:r>
               <a:rPr lang="ja-JP" altLang="en-US" dirty="0" smtClean="0"/>
-              <a:t>目的・動機</a:t>
+              <a:t>提案手法</a:t>
             </a:r>
             <a:endParaRPr lang="ja-JP" altLang="en-US" dirty="0"/>
           </a:p>
@@ -4719,122 +4669,108 @@
             <p:ph idx="1"/>
           </p:nvPr>
         </p:nvSpPr>
-        <p:spPr>
-          <a:xfrm>
-            <a:off x="457200" y="1171180"/>
-            <a:ext cx="7467600" cy="5205497"/>
-          </a:xfrm>
-        </p:spPr>
+        <p:spPr/>
         <p:txBody>
           <a:bodyPr>
             <a:normAutofit/>
           </a:bodyPr>
           <a:lstStyle/>
           <a:p>
-            <a:r>
-              <a:rPr lang="ja-JP" altLang="en-US" dirty="0" smtClean="0"/>
-              <a:t>目的</a:t>
-            </a:r>
-            <a:endParaRPr lang="en-US" altLang="ja-JP" dirty="0" smtClean="0"/>
-          </a:p>
-          <a:p>
-            <a:pPr lvl="1"/>
-            <a:r>
-              <a:rPr lang="ja-JP" altLang="en-US" dirty="0" smtClean="0"/>
-              <a:t>身体感覚の拡張</a:t>
-            </a:r>
-            <a:endParaRPr lang="en-US" altLang="ja-JP" dirty="0" smtClean="0"/>
-          </a:p>
-          <a:p>
-            <a:endParaRPr lang="en-US" altLang="ja-JP" dirty="0" smtClean="0"/>
-          </a:p>
-          <a:p>
-            <a:pPr lvl="1"/>
-            <a:r>
-              <a:rPr lang="ja-JP" altLang="en-US" dirty="0" smtClean="0"/>
-              <a:t>実世界にフィードバック</a:t>
-            </a:r>
-            <a:endParaRPr lang="en-US" altLang="ja-JP" dirty="0" smtClean="0"/>
-          </a:p>
-          <a:p>
-            <a:pPr lvl="2"/>
-            <a:r>
-              <a:rPr lang="ja-JP" altLang="en-US" dirty="0" smtClean="0"/>
-              <a:t>新しい</a:t>
-            </a:r>
-            <a:r>
-              <a:rPr lang="en-US" altLang="ja-JP" dirty="0" err="1" smtClean="0"/>
+            <a:pPr>
+              <a:buNone/>
+            </a:pPr>
+            <a:r>
+              <a:rPr lang="en-US" altLang="ja-JP" sz="2800" dirty="0" smtClean="0"/>
+              <a:t>	</a:t>
+            </a:r>
+            <a:r>
+              <a:rPr lang="en-US" altLang="ja-JP" sz="2800" dirty="0" err="1" smtClean="0"/>
               <a:t>Kinect</a:t>
             </a:r>
             <a:r>
-              <a:rPr lang="ja-JP" altLang="en-US" dirty="0" smtClean="0"/>
-              <a:t>の利用方法</a:t>
-            </a:r>
-            <a:endParaRPr lang="en-US" altLang="ja-JP" dirty="0" smtClean="0"/>
-          </a:p>
-          <a:p>
-            <a:pPr lvl="2"/>
-            <a:endParaRPr lang="en-US" altLang="ja-JP" dirty="0" smtClean="0"/>
-          </a:p>
-          <a:p>
-            <a:r>
-              <a:rPr lang="ja-JP" altLang="en-US" dirty="0" smtClean="0"/>
-              <a:t>動機</a:t>
-            </a:r>
-            <a:endParaRPr lang="en-US" altLang="ja-JP" dirty="0" smtClean="0"/>
-          </a:p>
-          <a:p>
-            <a:pPr lvl="1"/>
-            <a:r>
-              <a:rPr lang="ja-JP" altLang="en-US" dirty="0" smtClean="0"/>
-              <a:t>おもしろいことがしたい</a:t>
-            </a:r>
-            <a:r>
-              <a:rPr lang="en-US" altLang="ja-JP" dirty="0" smtClean="0"/>
-              <a:t>!</a:t>
-            </a:r>
-          </a:p>
-          <a:p>
-            <a:pPr lvl="1"/>
-            <a:r>
-              <a:rPr lang="ja-JP" altLang="en-US" dirty="0" smtClean="0"/>
-              <a:t>画面内だけで終わらせたくない</a:t>
-            </a:r>
-            <a:r>
-              <a:rPr lang="en-US" altLang="ja-JP" dirty="0" smtClean="0"/>
-              <a:t>!!</a:t>
-            </a:r>
-          </a:p>
-          <a:p>
-            <a:pPr lvl="1"/>
-            <a:r>
-              <a:rPr lang="ja-JP" altLang="en-US" dirty="0" smtClean="0"/>
-              <a:t>空を飛びたい</a:t>
-            </a:r>
-            <a:r>
-              <a:rPr lang="en-US" altLang="ja-JP" dirty="0" smtClean="0"/>
-              <a:t>!!!!</a:t>
-            </a:r>
-          </a:p>
-          <a:p>
-            <a:pPr lvl="1"/>
-            <a:endParaRPr lang="en-US" altLang="ja-JP" dirty="0" smtClean="0"/>
-          </a:p>
-          <a:p>
-            <a:endParaRPr lang="en-US" altLang="ja-JP" dirty="0" smtClean="0"/>
-          </a:p>
-          <a:p>
-            <a:pPr lvl="1"/>
-            <a:endParaRPr lang="en-US" altLang="ja-JP" dirty="0" smtClean="0"/>
-          </a:p>
-          <a:p>
-            <a:endParaRPr lang="en-US" altLang="ja-JP" dirty="0" smtClean="0"/>
-          </a:p>
-          <a:p>
-            <a:endParaRPr lang="en-US" altLang="ja-JP" dirty="0" smtClean="0"/>
-          </a:p>
-        </p:txBody>
-      </p:sp>
+              <a:rPr lang="ja-JP" altLang="en-US" sz="2800" dirty="0" smtClean="0"/>
+              <a:t>を利用して取得した骨格情報を認識し、ユーザの動作を取得する。</a:t>
+            </a:r>
+          </a:p>
+          <a:p>
+            <a:pPr>
+              <a:buNone/>
+            </a:pPr>
+            <a:r>
+              <a:rPr lang="en-US" altLang="ja-JP" sz="2800" dirty="0" smtClean="0"/>
+              <a:t>	</a:t>
+            </a:r>
+            <a:r>
+              <a:rPr lang="en-US" altLang="ja-JP" sz="2800" dirty="0" err="1" smtClean="0"/>
+              <a:t>AR.Drone</a:t>
+            </a:r>
+            <a:r>
+              <a:rPr lang="ja-JP" altLang="en-US" sz="2800" dirty="0" smtClean="0"/>
+              <a:t>を操作するコマンドを作成し、ユーザの動作をコマンドに割り当てることで体感型のインターフェースを実現する。</a:t>
+            </a:r>
+          </a:p>
+          <a:p>
+            <a:pPr>
+              <a:buNone/>
+            </a:pPr>
+            <a:r>
+              <a:rPr lang="en-US" altLang="ja-JP" sz="2800" dirty="0" smtClean="0"/>
+              <a:t>	</a:t>
+            </a:r>
+            <a:r>
+              <a:rPr lang="ja-JP" altLang="en-US" sz="2800" dirty="0" smtClean="0"/>
+              <a:t>ユーザは</a:t>
+            </a:r>
+            <a:r>
+              <a:rPr lang="en-US" altLang="ja-JP" sz="2800" dirty="0" err="1" smtClean="0"/>
+              <a:t>AR.Drone</a:t>
+            </a:r>
+            <a:r>
+              <a:rPr lang="ja-JP" altLang="en-US" sz="2800" dirty="0" smtClean="0"/>
+              <a:t>の前方カメラの映像を</a:t>
+            </a:r>
+            <a:r>
+              <a:rPr lang="en-US" altLang="ja-JP" sz="2800" dirty="0" smtClean="0"/>
+              <a:t>HMD</a:t>
+            </a:r>
+            <a:r>
+              <a:rPr lang="ja-JP" altLang="en-US" sz="2800" dirty="0" smtClean="0"/>
+              <a:t>から見ることにより、体感性の向上を目指す。</a:t>
+            </a:r>
+            <a:endParaRPr lang="ja-JP" altLang="en-US" sz="2800" dirty="0"/>
+          </a:p>
+        </p:txBody>
+      </p:sp>
+      <p:pic>
+        <p:nvPicPr>
+          <p:cNvPr id="5" name="図 4" descr="スクリーンショット 2013-10-10 15.13.37.png"/>
+          <p:cNvPicPr>
+            <a:picLocks noChangeAspect="1"/>
+          </p:cNvPicPr>
+          <p:nvPr/>
+        </p:nvPicPr>
+        <p:blipFill>
+          <a:blip r:embed="rId2">
+            <a:extLst>
+              <a:ext uri="{28A0092B-C50C-407E-A947-70E740481C1C}">
+                <a14:useLocalDpi xmlns:a14="http://schemas.microsoft.com/office/drawing/2010/main" val="0"/>
+              </a:ext>
+            </a:extLst>
+          </a:blip>
+          <a:stretch>
+            <a:fillRect/>
+          </a:stretch>
+        </p:blipFill>
+        <p:spPr>
+          <a:xfrm>
+            <a:off x="2237047" y="4736044"/>
+            <a:ext cx="4892822" cy="1895143"/>
+          </a:xfrm>
+          <a:prstGeom prst="rect">
+            <a:avLst/>
+          </a:prstGeom>
+        </p:spPr>
+      </p:pic>
     </p:spTree>
   </p:cSld>
   <p:clrMapOvr>
@@ -4843,15 +4779,15 @@
   <p:timing>
     <p:tnLst>
       <p:par>
-        <p:cTn id="1" dur="indefinite" restart="never" nodeType="tmRoot"/>
+        <p:cTn xmlns:p14="http://schemas.microsoft.com/office/powerpoint/2010/main" id="1" dur="indefinite" restart="never" nodeType="tmRoot"/>
       </p:par>
     </p:tnLst>
   </p:timing>
 </p:sld>
 </file>
 
-<file path=ppt/slides/slide3.xml><?xml version="1.0" encoding="utf-8"?>
-<p:sld xmlns:a="http://schemas.openxmlformats.org/drawingml/2006/main" xmlns:r="http://schemas.openxmlformats.org/officeDocument/2006/relationships" xmlns:mc="http://schemas.openxmlformats.org/markup-compatibility/2006" xmlns:mv="urn:schemas-microsoft-com:mac:vml" xmlns:p="http://schemas.openxmlformats.org/presentationml/2006/main" mc:Ignorable="mv" mc:PreserveAttributes="mv:*">
+<file path=ppt/slides/slide13.xml><?xml version="1.0" encoding="utf-8"?>
+<p:sld xmlns:a="http://schemas.openxmlformats.org/drawingml/2006/main" xmlns:r="http://schemas.openxmlformats.org/officeDocument/2006/relationships" xmlns:p="http://schemas.openxmlformats.org/presentationml/2006/main">
   <p:cSld>
     <p:spTree>
       <p:nvGrpSpPr>
@@ -4877,19 +4813,18 @@
             <p:ph type="title"/>
           </p:nvPr>
         </p:nvSpPr>
-        <p:spPr>
-          <a:xfrm>
-            <a:off x="443545" y="274638"/>
-            <a:ext cx="7467600" cy="896542"/>
-          </a:xfrm>
-        </p:spPr>
+        <p:spPr/>
         <p:txBody>
           <a:bodyPr/>
           <a:lstStyle/>
           <a:p>
             <a:r>
+              <a:rPr lang="ja-JP" altLang="en-US" dirty="0" smtClean="0"/>
+              <a:t>実装</a:t>
+            </a:r>
+            <a:r>
               <a:rPr lang="en-US" altLang="ja-JP" dirty="0" smtClean="0"/>
-              <a:t>What’s new?</a:t>
+              <a:t>	</a:t>
             </a:r>
             <a:endParaRPr lang="ja-JP" altLang="en-US" dirty="0"/>
           </a:p>
@@ -4905,21 +4840,16 @@
             <p:ph idx="1"/>
           </p:nvPr>
         </p:nvSpPr>
-        <p:spPr>
-          <a:xfrm>
-            <a:off x="457200" y="1171180"/>
-            <a:ext cx="7467600" cy="5205497"/>
-          </a:xfrm>
-        </p:spPr>
+        <p:spPr/>
         <p:txBody>
           <a:bodyPr>
-            <a:normAutofit/>
+            <a:normAutofit fontScale="92500"/>
           </a:bodyPr>
           <a:lstStyle/>
           <a:p>
             <a:r>
               <a:rPr lang="ja-JP" altLang="en-US" dirty="0" smtClean="0"/>
-              <a:t>寝そべって使う</a:t>
+              <a:t>操作性</a:t>
             </a:r>
             <a:endParaRPr lang="en-US" altLang="ja-JP" dirty="0" smtClean="0"/>
           </a:p>
@@ -4927,79 +4857,107 @@
             <a:pPr lvl="1"/>
             <a:r>
               <a:rPr lang="ja-JP" altLang="en-US" dirty="0" smtClean="0"/>
-              <a:t>立ってやる事ばっかじゃない</a:t>
+              <a:t>感覚的に操作ができるよう前後左右の移動のみ実装</a:t>
             </a:r>
             <a:endParaRPr lang="en-US" altLang="ja-JP" dirty="0" smtClean="0"/>
           </a:p>
           <a:p>
+            <a:pPr lvl="2"/>
+            <a:r>
+              <a:rPr lang="ja-JP" altLang="en-US" dirty="0" smtClean="0"/>
+              <a:t>体の傾き、手の上げ下げを割り当て、体の動きを大きくするほど</a:t>
+            </a:r>
+            <a:r>
+              <a:rPr lang="en-US" altLang="ja-JP" dirty="0" err="1" smtClean="0"/>
+              <a:t>AR.Drone</a:t>
+            </a:r>
+            <a:r>
+              <a:rPr lang="ja-JP" altLang="en-US" dirty="0" smtClean="0"/>
+              <a:t>の動作が大きくなるよう設定</a:t>
+            </a:r>
+            <a:endParaRPr lang="en-US" altLang="ja-JP" dirty="0" smtClean="0"/>
+          </a:p>
+          <a:p>
+            <a:pPr lvl="2"/>
+            <a:endParaRPr lang="en-US" altLang="ja-JP" dirty="0" smtClean="0"/>
+          </a:p>
+          <a:p>
+            <a:r>
+              <a:rPr lang="ja-JP" altLang="en-US" dirty="0" smtClean="0"/>
+              <a:t>フィードバック</a:t>
+            </a:r>
+            <a:endParaRPr lang="en-US" altLang="ja-JP" dirty="0" smtClean="0"/>
+          </a:p>
+          <a:p>
             <a:pPr lvl="1"/>
+            <a:r>
+              <a:rPr lang="en-US" altLang="ja-JP" dirty="0" err="1" smtClean="0"/>
+              <a:t>Kinect</a:t>
+            </a:r>
             <a:endParaRPr lang="en-US" altLang="ja-JP" dirty="0" smtClean="0"/>
           </a:p>
           <a:p>
+            <a:pPr lvl="2"/>
             <a:r>
               <a:rPr lang="ja-JP" altLang="en-US" dirty="0" smtClean="0"/>
-              <a:t>現実のものを動かす</a:t>
+              <a:t>実行が上手くいっているか、</a:t>
+            </a:r>
+            <a:r>
+              <a:rPr lang="en-US" altLang="ja-JP" dirty="0" err="1" smtClean="0"/>
+              <a:t>Kinect</a:t>
+            </a:r>
+            <a:r>
+              <a:rPr lang="ja-JP" altLang="en-US" dirty="0" smtClean="0"/>
+              <a:t>のカメラ映像</a:t>
+            </a:r>
+            <a:r>
+              <a:rPr lang="en-US" altLang="ja-JP" dirty="0" smtClean="0"/>
+              <a:t>(</a:t>
+            </a:r>
+            <a:r>
+              <a:rPr lang="ja-JP" altLang="en-US" dirty="0" smtClean="0"/>
+              <a:t>モノクロ</a:t>
+            </a:r>
+            <a:r>
+              <a:rPr lang="en-US" altLang="ja-JP" dirty="0" smtClean="0"/>
+              <a:t>)</a:t>
+            </a:r>
+            <a:r>
+              <a:rPr lang="ja-JP" altLang="en-US" dirty="0" smtClean="0"/>
+              <a:t>上に取得できていれば体のスケルトンが表示</a:t>
             </a:r>
             <a:endParaRPr lang="en-US" altLang="ja-JP" dirty="0" smtClean="0"/>
           </a:p>
           <a:p>
             <a:pPr lvl="1"/>
             <a:r>
-              <a:rPr lang="en-US" altLang="ja-JP" dirty="0" smtClean="0"/>
-              <a:t>2</a:t>
+              <a:rPr lang="en-US" altLang="ja-JP" dirty="0" err="1" smtClean="0"/>
+              <a:t>AR.Drone</a:t>
+            </a:r>
+            <a:endParaRPr lang="en-US" altLang="ja-JP" dirty="0" smtClean="0"/>
+          </a:p>
+          <a:p>
+            <a:pPr lvl="2"/>
+            <a:r>
+              <a:rPr lang="en-US" altLang="ja-JP" dirty="0" err="1" smtClean="0"/>
+              <a:t>AR.Drone</a:t>
             </a:r>
             <a:r>
               <a:rPr lang="ja-JP" altLang="en-US" dirty="0" smtClean="0"/>
-              <a:t>次元だけでは満足できない</a:t>
+              <a:t>からのリアルタイム映像の上に送っている動作命令、</a:t>
+            </a:r>
+            <a:r>
+              <a:rPr lang="en-US" altLang="ja-JP" dirty="0" err="1" smtClean="0"/>
+              <a:t>AR.Drone</a:t>
+            </a:r>
+            <a:r>
+              <a:rPr lang="ja-JP" altLang="en-US" dirty="0" smtClean="0"/>
+              <a:t>のセンサやバッテリーの値は表示</a:t>
             </a:r>
             <a:endParaRPr lang="en-US" altLang="ja-JP" dirty="0" smtClean="0"/>
           </a:p>
           <a:p>
-            <a:pPr lvl="1"/>
-            <a:endParaRPr lang="en-US" altLang="ja-JP" dirty="0" smtClean="0"/>
-          </a:p>
-          <a:p>
-            <a:r>
-              <a:rPr lang="en-US" altLang="ja-JP" dirty="0" smtClean="0"/>
-              <a:t>HMD</a:t>
-            </a:r>
-            <a:r>
-              <a:rPr lang="ja-JP" altLang="en-US" dirty="0" smtClean="0"/>
-              <a:t>も</a:t>
-            </a:r>
-            <a:r>
-              <a:rPr lang="ja-JP" altLang="en-US" dirty="0" smtClean="0"/>
-              <a:t>使う</a:t>
-            </a:r>
-            <a:endParaRPr lang="en-US" altLang="ja-JP" dirty="0" smtClean="0"/>
-          </a:p>
-          <a:p>
-            <a:pPr lvl="1"/>
-            <a:r>
-              <a:rPr lang="en-US" altLang="ja-JP" dirty="0" err="1" smtClean="0"/>
-              <a:t>OculusRift</a:t>
-            </a:r>
-            <a:r>
-              <a:rPr lang="ja-JP" altLang="en-US" dirty="0" smtClean="0"/>
-              <a:t>を使う</a:t>
-            </a:r>
-            <a:endParaRPr lang="en-US" altLang="ja-JP" dirty="0" smtClean="0"/>
-          </a:p>
-          <a:p>
-            <a:pPr lvl="1"/>
-            <a:r>
-              <a:rPr lang="ja-JP" altLang="en-US" dirty="0" smtClean="0"/>
-              <a:t>没入感の上昇</a:t>
-            </a:r>
-            <a:endParaRPr lang="en-US" altLang="ja-JP" dirty="0" smtClean="0"/>
-          </a:p>
-          <a:p>
-            <a:pPr lvl="1"/>
-            <a:r>
-              <a:rPr lang="ja-JP" altLang="en-US" dirty="0" smtClean="0"/>
-              <a:t>近未来度の上昇</a:t>
-            </a:r>
-            <a:endParaRPr lang="en-US" altLang="ja-JP" dirty="0" smtClean="0"/>
+            <a:endParaRPr lang="ja-JP" altLang="en-US" dirty="0"/>
           </a:p>
         </p:txBody>
       </p:sp>
@@ -5011,15 +4969,345 @@
   <p:timing>
     <p:tnLst>
       <p:par>
-        <p:cTn id="1" dur="indefinite" restart="never" nodeType="tmRoot"/>
+        <p:cTn xmlns:p14="http://schemas.microsoft.com/office/powerpoint/2010/main" id="1" dur="indefinite" restart="never" nodeType="tmRoot"/>
       </p:par>
     </p:tnLst>
   </p:timing>
 </p:sld>
 </file>
 
-<file path=ppt/slides/slide4.xml><?xml version="1.0" encoding="utf-8"?>
-<p:sld xmlns:a="http://schemas.openxmlformats.org/drawingml/2006/main" xmlns:r="http://schemas.openxmlformats.org/officeDocument/2006/relationships" xmlns:mc="http://schemas.openxmlformats.org/markup-compatibility/2006" xmlns:mv="urn:schemas-microsoft-com:mac:vml" xmlns:p="http://schemas.openxmlformats.org/presentationml/2006/main" mc:Ignorable="mv" mc:PreserveAttributes="mv:*">
+<file path=ppt/slides/slide14.xml><?xml version="1.0" encoding="utf-8"?>
+<p:sld xmlns:a="http://schemas.openxmlformats.org/drawingml/2006/main" xmlns:r="http://schemas.openxmlformats.org/officeDocument/2006/relationships" xmlns:p="http://schemas.openxmlformats.org/presentationml/2006/main">
+  <p:cSld>
+    <p:spTree>
+      <p:nvGrpSpPr>
+        <p:cNvPr id="1" name=""/>
+        <p:cNvGrpSpPr/>
+        <p:nvPr/>
+      </p:nvGrpSpPr>
+      <p:grpSpPr>
+        <a:xfrm>
+          <a:off x="0" y="0"/>
+          <a:ext cx="0" cy="0"/>
+          <a:chOff x="0" y="0"/>
+          <a:chExt cx="0" cy="0"/>
+        </a:xfrm>
+      </p:grpSpPr>
+      <p:sp>
+        <p:nvSpPr>
+          <p:cNvPr id="2" name="タイトル 1"/>
+          <p:cNvSpPr>
+            <a:spLocks noGrp="1"/>
+          </p:cNvSpPr>
+          <p:nvPr>
+            <p:ph type="title"/>
+          </p:nvPr>
+        </p:nvSpPr>
+        <p:spPr/>
+        <p:txBody>
+          <a:bodyPr>
+            <a:normAutofit/>
+          </a:bodyPr>
+          <a:lstStyle/>
+          <a:p>
+            <a:r>
+              <a:rPr lang="ja-JP" altLang="en-US" dirty="0" smtClean="0"/>
+              <a:t>結果</a:t>
+            </a:r>
+            <a:endParaRPr lang="ja-JP" altLang="en-US" dirty="0"/>
+          </a:p>
+        </p:txBody>
+      </p:sp>
+      <p:sp>
+        <p:nvSpPr>
+          <p:cNvPr id="3" name="コンテンツ プレースホルダ 2"/>
+          <p:cNvSpPr>
+            <a:spLocks noGrp="1"/>
+          </p:cNvSpPr>
+          <p:nvPr>
+            <p:ph idx="1"/>
+          </p:nvPr>
+        </p:nvSpPr>
+        <p:spPr>
+          <a:xfrm>
+            <a:off x="457199" y="857765"/>
+            <a:ext cx="8458201" cy="5295052"/>
+          </a:xfrm>
+        </p:spPr>
+        <p:txBody>
+          <a:bodyPr/>
+          <a:lstStyle/>
+          <a:p>
+            <a:pPr>
+              <a:buNone/>
+            </a:pPr>
+            <a:endParaRPr lang="en-US" altLang="ja-JP" dirty="0" smtClean="0"/>
+          </a:p>
+          <a:p>
+            <a:r>
+              <a:rPr lang="en-US" altLang="ja-JP" dirty="0" err="1" smtClean="0"/>
+              <a:t>AR.Drone</a:t>
+            </a:r>
+            <a:r>
+              <a:rPr lang="ja-JP" altLang="en-US" dirty="0" smtClean="0"/>
+              <a:t>のカメラ映像は画角が狭く、解像度が低いため操作が困難</a:t>
+            </a:r>
+            <a:endParaRPr lang="en-US" altLang="ja-JP" dirty="0" smtClean="0"/>
+          </a:p>
+          <a:p>
+            <a:endParaRPr lang="en-US" altLang="ja-JP" dirty="0" smtClean="0"/>
+          </a:p>
+          <a:p>
+            <a:r>
+              <a:rPr lang="ja-JP" altLang="en-US" dirty="0" smtClean="0"/>
+              <a:t>複雑な動作にすると直感的に操作できなくなる</a:t>
+            </a:r>
+            <a:endParaRPr lang="en-US" altLang="ja-JP" dirty="0" smtClean="0"/>
+          </a:p>
+          <a:p>
+            <a:pPr lvl="1"/>
+            <a:r>
+              <a:rPr lang="ja-JP" altLang="en-US" dirty="0" smtClean="0"/>
+              <a:t>命令の簡易化</a:t>
+            </a:r>
+            <a:endParaRPr lang="en-US" altLang="ja-JP" dirty="0" smtClean="0"/>
+          </a:p>
+          <a:p>
+            <a:pPr lvl="1"/>
+            <a:endParaRPr lang="en-US" altLang="ja-JP" dirty="0" smtClean="0"/>
+          </a:p>
+          <a:p>
+            <a:r>
+              <a:rPr lang="ja-JP" altLang="en-US" dirty="0" smtClean="0"/>
+              <a:t>ホバリングが安定しない</a:t>
+            </a:r>
+            <a:endParaRPr lang="en-US" altLang="ja-JP" dirty="0" smtClean="0"/>
+          </a:p>
+          <a:p>
+            <a:r>
+              <a:rPr lang="en-US" altLang="ja-JP" dirty="0" err="1" smtClean="0"/>
+              <a:t>Kinect</a:t>
+            </a:r>
+            <a:r>
+              <a:rPr lang="ja-JP" altLang="en-US" dirty="0" smtClean="0"/>
+              <a:t>の骨格認識が外れるときがある</a:t>
+            </a:r>
+            <a:endParaRPr lang="en-US" altLang="ja-JP" dirty="0" smtClean="0"/>
+          </a:p>
+          <a:p>
+            <a:pPr marL="448056" lvl="1" indent="0">
+              <a:buNone/>
+            </a:pPr>
+            <a:endParaRPr lang="en-US" altLang="ja-JP" dirty="0" smtClean="0"/>
+          </a:p>
+          <a:p>
+            <a:pPr lvl="1">
+              <a:buNone/>
+            </a:pPr>
+            <a:endParaRPr lang="ja-JP" altLang="en-US" dirty="0"/>
+          </a:p>
+        </p:txBody>
+      </p:sp>
+    </p:spTree>
+  </p:cSld>
+  <p:clrMapOvr>
+    <a:masterClrMapping/>
+  </p:clrMapOvr>
+  <p:timing>
+    <p:tnLst>
+      <p:par>
+        <p:cTn xmlns:p14="http://schemas.microsoft.com/office/powerpoint/2010/main" id="1" dur="indefinite" restart="never" nodeType="tmRoot"/>
+      </p:par>
+    </p:tnLst>
+  </p:timing>
+</p:sld>
+</file>
+
+<file path=ppt/slides/slide15.xml><?xml version="1.0" encoding="utf-8"?>
+<p:sld xmlns:a="http://schemas.openxmlformats.org/drawingml/2006/main" xmlns:r="http://schemas.openxmlformats.org/officeDocument/2006/relationships" xmlns:p="http://schemas.openxmlformats.org/presentationml/2006/main">
+  <p:cSld>
+    <p:spTree>
+      <p:nvGrpSpPr>
+        <p:cNvPr id="1" name=""/>
+        <p:cNvGrpSpPr/>
+        <p:nvPr/>
+      </p:nvGrpSpPr>
+      <p:grpSpPr>
+        <a:xfrm>
+          <a:off x="0" y="0"/>
+          <a:ext cx="0" cy="0"/>
+          <a:chOff x="0" y="0"/>
+          <a:chExt cx="0" cy="0"/>
+        </a:xfrm>
+      </p:grpSpPr>
+      <p:sp>
+        <p:nvSpPr>
+          <p:cNvPr id="2" name="タイトル 1"/>
+          <p:cNvSpPr>
+            <a:spLocks noGrp="1"/>
+          </p:cNvSpPr>
+          <p:nvPr>
+            <p:ph type="title"/>
+          </p:nvPr>
+        </p:nvSpPr>
+        <p:spPr/>
+        <p:txBody>
+          <a:bodyPr/>
+          <a:lstStyle/>
+          <a:p>
+            <a:r>
+              <a:rPr lang="ja-JP" altLang="en-US" dirty="0" smtClean="0"/>
+              <a:t>コンテストに向けて</a:t>
+            </a:r>
+            <a:endParaRPr lang="ja-JP" altLang="en-US" dirty="0"/>
+          </a:p>
+        </p:txBody>
+      </p:sp>
+      <p:sp>
+        <p:nvSpPr>
+          <p:cNvPr id="3" name="コンテンツ プレースホルダ 2"/>
+          <p:cNvSpPr>
+            <a:spLocks noGrp="1"/>
+          </p:cNvSpPr>
+          <p:nvPr>
+            <p:ph idx="1"/>
+          </p:nvPr>
+        </p:nvSpPr>
+        <p:spPr/>
+        <p:txBody>
+          <a:bodyPr>
+            <a:normAutofit lnSpcReduction="10000"/>
+          </a:bodyPr>
+          <a:lstStyle/>
+          <a:p>
+            <a:r>
+              <a:rPr lang="ja-JP" altLang="en-US" dirty="0" smtClean="0"/>
+              <a:t>没入感の向上</a:t>
+            </a:r>
+            <a:endParaRPr lang="en-US" altLang="ja-JP" dirty="0" smtClean="0"/>
+          </a:p>
+          <a:p>
+            <a:pPr lvl="1"/>
+            <a:r>
+              <a:rPr lang="en-US" altLang="ja-JP" dirty="0" smtClean="0"/>
+              <a:t>Oculus </a:t>
+            </a:r>
+            <a:r>
+              <a:rPr lang="en-US" altLang="ja-JP" dirty="0" err="1" smtClean="0"/>
+              <a:t>Riftn</a:t>
+            </a:r>
+            <a:r>
+              <a:rPr lang="ja-JP" altLang="en-US" dirty="0" smtClean="0"/>
+              <a:t>の利用</a:t>
+            </a:r>
+            <a:endParaRPr lang="en-US" altLang="ja-JP" dirty="0" smtClean="0"/>
+          </a:p>
+          <a:p>
+            <a:pPr lvl="2"/>
+            <a:r>
+              <a:rPr lang="ja-JP" altLang="en-US" dirty="0" smtClean="0"/>
+              <a:t>首の動きに合わせて</a:t>
+            </a:r>
+            <a:r>
+              <a:rPr lang="en-US" altLang="ja-JP" dirty="0" err="1" smtClean="0"/>
+              <a:t>AR.Drone</a:t>
+            </a:r>
+            <a:r>
+              <a:rPr lang="ja-JP" altLang="en-US" dirty="0" smtClean="0"/>
+              <a:t>の回転</a:t>
+            </a:r>
+            <a:endParaRPr lang="en-US" altLang="ja-JP" dirty="0" smtClean="0"/>
+          </a:p>
+          <a:p>
+            <a:pPr lvl="2"/>
+            <a:r>
+              <a:rPr lang="ja-JP" altLang="en-US" dirty="0" smtClean="0"/>
+              <a:t>広い画角の確保</a:t>
+            </a:r>
+            <a:endParaRPr lang="en-US" altLang="ja-JP" dirty="0" smtClean="0"/>
+          </a:p>
+          <a:p>
+            <a:pPr lvl="2"/>
+            <a:endParaRPr lang="en-US" altLang="ja-JP" dirty="0" smtClean="0"/>
+          </a:p>
+          <a:p>
+            <a:r>
+              <a:rPr lang="ja-JP" altLang="en-US" dirty="0" smtClean="0"/>
+              <a:t>操作性の向上</a:t>
+            </a:r>
+            <a:endParaRPr lang="en-US" altLang="ja-JP" dirty="0" smtClean="0"/>
+          </a:p>
+          <a:p>
+            <a:pPr lvl="1"/>
+            <a:r>
+              <a:rPr lang="ja-JP" altLang="en-US" dirty="0" smtClean="0"/>
+              <a:t>カメラを増やすまたは変えるか画像にエフェクトをつけプレイヤーの視覚情報を補う</a:t>
+            </a:r>
+            <a:endParaRPr lang="en-US" altLang="ja-JP" dirty="0" smtClean="0"/>
+          </a:p>
+          <a:p>
+            <a:pPr lvl="1"/>
+            <a:endParaRPr lang="en-US" altLang="ja-JP" dirty="0" smtClean="0"/>
+          </a:p>
+          <a:p>
+            <a:r>
+              <a:rPr lang="ja-JP" altLang="en-US" dirty="0" smtClean="0"/>
+              <a:t>ユーザテスト</a:t>
+            </a:r>
+            <a:endParaRPr lang="en-US" altLang="ja-JP" dirty="0" smtClean="0"/>
+          </a:p>
+          <a:p>
+            <a:pPr lvl="1"/>
+            <a:r>
+              <a:rPr lang="ja-JP" altLang="en-US" dirty="0" smtClean="0"/>
+              <a:t>没入感や操作性のフィードバックをとる</a:t>
+            </a:r>
+            <a:endParaRPr lang="en-US" altLang="ja-JP" dirty="0" smtClean="0"/>
+          </a:p>
+          <a:p>
+            <a:pPr lvl="2"/>
+            <a:r>
+              <a:rPr lang="ja-JP" altLang="en-US" dirty="0" smtClean="0"/>
+              <a:t>身体感覚の拡張の確認、向上</a:t>
+            </a:r>
+            <a:endParaRPr lang="en-US" altLang="ja-JP" dirty="0" smtClean="0"/>
+          </a:p>
+        </p:txBody>
+      </p:sp>
+      <p:pic>
+        <p:nvPicPr>
+          <p:cNvPr id="4" name="図 3" descr="ocurasHMD.jpeg"/>
+          <p:cNvPicPr>
+            <a:picLocks noChangeAspect="1"/>
+          </p:cNvPicPr>
+          <p:nvPr/>
+        </p:nvPicPr>
+        <p:blipFill>
+          <a:blip r:embed="rId2"/>
+          <a:stretch>
+            <a:fillRect/>
+          </a:stretch>
+        </p:blipFill>
+        <p:spPr>
+          <a:xfrm>
+            <a:off x="6244563" y="2857500"/>
+            <a:ext cx="2032000" cy="1143000"/>
+          </a:xfrm>
+          <a:prstGeom prst="rect">
+            <a:avLst/>
+          </a:prstGeom>
+        </p:spPr>
+      </p:pic>
+    </p:spTree>
+  </p:cSld>
+  <p:clrMapOvr>
+    <a:masterClrMapping/>
+  </p:clrMapOvr>
+</p:sld>
+</file>
+
+<file path=ppt/slides/slide2.xml><?xml version="1.0" encoding="utf-8"?>
+<p:sld xmlns:a="http://schemas.openxmlformats.org/drawingml/2006/main" xmlns:r="http://schemas.openxmlformats.org/officeDocument/2006/relationships" xmlns:p="http://schemas.openxmlformats.org/presentationml/2006/main">
   <p:cSld>
     <p:spTree>
       <p:nvGrpSpPr>
@@ -5199,10 +5487,6 @@
               </a:rPr>
               <a:t>		×</a:t>
             </a:r>
-            <a:endParaRPr lang="en-US" altLang="ja-JP" dirty="0" smtClean="0">
-              <a:latin typeface="HG丸ｺﾞｼｯｸM-PRO"/>
-              <a:cs typeface="HG丸ｺﾞｼｯｸM-PRO"/>
-            </a:endParaRPr>
           </a:p>
           <a:p>
             <a:r>
@@ -5291,15 +5575,15 @@
   <p:timing>
     <p:tnLst>
       <p:par>
-        <p:cTn id="1" dur="indefinite" restart="never" nodeType="tmRoot"/>
+        <p:cTn xmlns:p14="http://schemas.microsoft.com/office/powerpoint/2010/main" id="1" dur="indefinite" restart="never" nodeType="tmRoot"/>
       </p:par>
     </p:tnLst>
   </p:timing>
 </p:sld>
 </file>
 
-<file path=ppt/slides/slide5.xml><?xml version="1.0" encoding="utf-8"?>
-<p:sld xmlns:a="http://schemas.openxmlformats.org/drawingml/2006/main" xmlns:r="http://schemas.openxmlformats.org/officeDocument/2006/relationships" xmlns:mc="http://schemas.openxmlformats.org/markup-compatibility/2006" xmlns:mv="urn:schemas-microsoft-com:mac:vml" xmlns:p="http://schemas.openxmlformats.org/presentationml/2006/main" mc:Ignorable="mv" mc:PreserveAttributes="mv:*">
+<file path=ppt/slides/slide3.xml><?xml version="1.0" encoding="utf-8"?>
+<p:sld xmlns:a="http://schemas.openxmlformats.org/drawingml/2006/main" xmlns:r="http://schemas.openxmlformats.org/officeDocument/2006/relationships" xmlns:p="http://schemas.openxmlformats.org/presentationml/2006/main">
   <p:cSld>
     <p:spTree>
       <p:nvGrpSpPr>
@@ -5317,6 +5601,884 @@
       </p:grpSpPr>
       <p:sp>
         <p:nvSpPr>
+          <p:cNvPr id="3" name="コンテンツ プレースホルダー 2"/>
+          <p:cNvSpPr>
+            <a:spLocks noGrp="1"/>
+          </p:cNvSpPr>
+          <p:nvPr>
+            <p:ph idx="1"/>
+          </p:nvPr>
+        </p:nvSpPr>
+        <p:spPr>
+          <a:xfrm>
+            <a:off x="1915300" y="2476685"/>
+            <a:ext cx="7009691" cy="3778704"/>
+          </a:xfrm>
+        </p:spPr>
+        <p:txBody>
+          <a:bodyPr>
+            <a:normAutofit/>
+          </a:bodyPr>
+          <a:lstStyle/>
+          <a:p>
+            <a:pPr marL="36576" indent="0">
+              <a:buNone/>
+            </a:pPr>
+            <a:r>
+              <a:rPr kumimoji="1" lang="ja-JP" altLang="en-US" sz="7200" dirty="0" smtClean="0"/>
+              <a:t>突然ですが！</a:t>
+            </a:r>
+            <a:endParaRPr kumimoji="1" lang="ja-JP" altLang="en-US" sz="7200" dirty="0"/>
+          </a:p>
+        </p:txBody>
+      </p:sp>
+    </p:spTree>
+    <p:extLst>
+      <p:ext uri="{BB962C8B-B14F-4D97-AF65-F5344CB8AC3E}">
+        <p14:creationId xmlns:p14="http://schemas.microsoft.com/office/powerpoint/2010/main" val="572347409"/>
+      </p:ext>
+    </p:extLst>
+  </p:cSld>
+  <p:clrMapOvr>
+    <a:masterClrMapping/>
+  </p:clrMapOvr>
+</p:sld>
+</file>
+
+<file path=ppt/slides/slide4.xml><?xml version="1.0" encoding="utf-8"?>
+<p:sld xmlns:a="http://schemas.openxmlformats.org/drawingml/2006/main" xmlns:r="http://schemas.openxmlformats.org/officeDocument/2006/relationships" xmlns:p="http://schemas.openxmlformats.org/presentationml/2006/main">
+  <p:cSld>
+    <p:spTree>
+      <p:nvGrpSpPr>
+        <p:cNvPr id="1" name=""/>
+        <p:cNvGrpSpPr/>
+        <p:nvPr/>
+      </p:nvGrpSpPr>
+      <p:grpSpPr>
+        <a:xfrm>
+          <a:off x="0" y="0"/>
+          <a:ext cx="0" cy="0"/>
+          <a:chOff x="0" y="0"/>
+          <a:chExt cx="0" cy="0"/>
+        </a:xfrm>
+      </p:grpSpPr>
+      <p:sp>
+        <p:nvSpPr>
+          <p:cNvPr id="2" name="タイトル 1"/>
+          <p:cNvSpPr>
+            <a:spLocks noGrp="1"/>
+          </p:cNvSpPr>
+          <p:nvPr>
+            <p:ph type="title"/>
+          </p:nvPr>
+        </p:nvSpPr>
+        <p:spPr>
+          <a:xfrm>
+            <a:off x="-96762" y="907143"/>
+            <a:ext cx="9531048" cy="4668762"/>
+          </a:xfrm>
+        </p:spPr>
+        <p:txBody>
+          <a:bodyPr>
+            <a:normAutofit/>
+          </a:bodyPr>
+          <a:lstStyle/>
+          <a:p>
+            <a:pPr algn="ctr"/>
+            <a:r>
+              <a:rPr kumimoji="1" lang="ja-JP" altLang="en-US" sz="7200" dirty="0" smtClean="0"/>
+              <a:t>人類最大の</a:t>
+            </a:r>
+            <a:r>
+              <a:rPr kumimoji="1" lang="en-US" altLang="ja-JP" sz="7200" dirty="0" smtClean="0"/>
+              <a:t/>
+            </a:r>
+            <a:br>
+              <a:rPr kumimoji="1" lang="en-US" altLang="ja-JP" sz="7200" dirty="0" smtClean="0"/>
+            </a:br>
+            <a:r>
+              <a:rPr kumimoji="1" lang="ja-JP" altLang="en-US" sz="7200" dirty="0" smtClean="0">
+                <a:solidFill>
+                  <a:srgbClr val="FF0000"/>
+                </a:solidFill>
+              </a:rPr>
+              <a:t>夢</a:t>
+            </a:r>
+            <a:r>
+              <a:rPr kumimoji="1" lang="en-US" altLang="ja-JP" sz="7200" dirty="0" smtClean="0"/>
+              <a:t/>
+            </a:r>
+            <a:br>
+              <a:rPr kumimoji="1" lang="en-US" altLang="ja-JP" sz="7200" dirty="0" smtClean="0"/>
+            </a:br>
+            <a:r>
+              <a:rPr kumimoji="1" lang="ja-JP" altLang="en-US" sz="7200" dirty="0" smtClean="0"/>
+              <a:t>といえば</a:t>
+            </a:r>
+            <a:r>
+              <a:rPr kumimoji="1" lang="en-US" altLang="ja-JP" sz="7200" dirty="0" smtClean="0"/>
+              <a:t>…</a:t>
+            </a:r>
+            <a:endParaRPr kumimoji="1" lang="ja-JP" altLang="en-US" sz="7200" dirty="0"/>
+          </a:p>
+        </p:txBody>
+      </p:sp>
+    </p:spTree>
+    <p:extLst>
+      <p:ext uri="{BB962C8B-B14F-4D97-AF65-F5344CB8AC3E}">
+        <p14:creationId xmlns:p14="http://schemas.microsoft.com/office/powerpoint/2010/main" val="572347409"/>
+      </p:ext>
+    </p:extLst>
+  </p:cSld>
+  <p:clrMapOvr>
+    <a:masterClrMapping/>
+  </p:clrMapOvr>
+</p:sld>
+</file>
+
+<file path=ppt/slides/slide5.xml><?xml version="1.0" encoding="utf-8"?>
+<p:sld xmlns:a="http://schemas.openxmlformats.org/drawingml/2006/main" xmlns:r="http://schemas.openxmlformats.org/officeDocument/2006/relationships" xmlns:p="http://schemas.openxmlformats.org/presentationml/2006/main">
+  <p:cSld>
+    <p:bg>
+      <p:bgPr>
+        <a:solidFill>
+          <a:srgbClr val="CCFFCC"/>
+        </a:solidFill>
+        <a:effectLst/>
+      </p:bgPr>
+    </p:bg>
+    <p:spTree>
+      <p:nvGrpSpPr>
+        <p:cNvPr id="1" name=""/>
+        <p:cNvGrpSpPr/>
+        <p:nvPr/>
+      </p:nvGrpSpPr>
+      <p:grpSpPr>
+        <a:xfrm>
+          <a:off x="0" y="0"/>
+          <a:ext cx="0" cy="0"/>
+          <a:chOff x="0" y="0"/>
+          <a:chExt cx="0" cy="0"/>
+        </a:xfrm>
+      </p:grpSpPr>
+      <p:pic>
+        <p:nvPicPr>
+          <p:cNvPr id="6" name="図 5" descr="Screen Shot 2013-12-09 at 14.07.21.png"/>
+          <p:cNvPicPr>
+            <a:picLocks noChangeAspect="1"/>
+          </p:cNvPicPr>
+          <p:nvPr/>
+        </p:nvPicPr>
+        <p:blipFill>
+          <a:blip r:embed="rId2">
+            <a:extLst>
+              <a:ext uri="{28A0092B-C50C-407E-A947-70E740481C1C}">
+                <a14:useLocalDpi xmlns:a14="http://schemas.microsoft.com/office/drawing/2010/main" val="0"/>
+              </a:ext>
+            </a:extLst>
+          </a:blip>
+          <a:stretch>
+            <a:fillRect/>
+          </a:stretch>
+        </p:blipFill>
+        <p:spPr>
+          <a:xfrm>
+            <a:off x="-1" y="1"/>
+            <a:ext cx="6052419" cy="3739092"/>
+          </a:xfrm>
+          <a:prstGeom prst="rect">
+            <a:avLst/>
+          </a:prstGeom>
+        </p:spPr>
+      </p:pic>
+      <p:pic>
+        <p:nvPicPr>
+          <p:cNvPr id="3" name="図 2" descr="Screen Shot 2013-12-09 at 13.47.52.png"/>
+          <p:cNvPicPr>
+            <a:picLocks noChangeAspect="1"/>
+          </p:cNvPicPr>
+          <p:nvPr/>
+        </p:nvPicPr>
+        <p:blipFill>
+          <a:blip r:embed="rId3">
+            <a:extLst>
+              <a:ext uri="{28A0092B-C50C-407E-A947-70E740481C1C}">
+                <a14:useLocalDpi xmlns:a14="http://schemas.microsoft.com/office/drawing/2010/main" val="0"/>
+              </a:ext>
+            </a:extLst>
+          </a:blip>
+          <a:stretch>
+            <a:fillRect/>
+          </a:stretch>
+        </p:blipFill>
+        <p:spPr>
+          <a:xfrm>
+            <a:off x="5893098" y="1"/>
+            <a:ext cx="3250902" cy="3739092"/>
+          </a:xfrm>
+          <a:prstGeom prst="rect">
+            <a:avLst/>
+          </a:prstGeom>
+        </p:spPr>
+      </p:pic>
+      <p:pic>
+        <p:nvPicPr>
+          <p:cNvPr id="4" name="図 3" descr="Screen Shot 2013-12-09 at 14.00.32.png"/>
+          <p:cNvPicPr>
+            <a:picLocks noChangeAspect="1"/>
+          </p:cNvPicPr>
+          <p:nvPr/>
+        </p:nvPicPr>
+        <p:blipFill>
+          <a:blip r:embed="rId4">
+            <a:extLst>
+              <a:ext uri="{28A0092B-C50C-407E-A947-70E740481C1C}">
+                <a14:useLocalDpi xmlns:a14="http://schemas.microsoft.com/office/drawing/2010/main" val="0"/>
+              </a:ext>
+            </a:extLst>
+          </a:blip>
+          <a:stretch>
+            <a:fillRect/>
+          </a:stretch>
+        </p:blipFill>
+        <p:spPr>
+          <a:xfrm>
+            <a:off x="5893098" y="4126656"/>
+            <a:ext cx="3250902" cy="2380582"/>
+          </a:xfrm>
+          <a:prstGeom prst="rect">
+            <a:avLst/>
+          </a:prstGeom>
+        </p:spPr>
+      </p:pic>
+      <p:pic>
+        <p:nvPicPr>
+          <p:cNvPr id="5" name="図 4" descr="Screen Shot 2013-12-09 at 14.06.29.png"/>
+          <p:cNvPicPr>
+            <a:picLocks noChangeAspect="1"/>
+          </p:cNvPicPr>
+          <p:nvPr/>
+        </p:nvPicPr>
+        <p:blipFill>
+          <a:blip r:embed="rId5">
+            <a:extLst>
+              <a:ext uri="{28A0092B-C50C-407E-A947-70E740481C1C}">
+                <a14:useLocalDpi xmlns:a14="http://schemas.microsoft.com/office/drawing/2010/main" val="0"/>
+              </a:ext>
+            </a:extLst>
+          </a:blip>
+          <a:stretch>
+            <a:fillRect/>
+          </a:stretch>
+        </p:blipFill>
+        <p:spPr>
+          <a:xfrm>
+            <a:off x="0" y="3584058"/>
+            <a:ext cx="5893098" cy="3273942"/>
+          </a:xfrm>
+          <a:prstGeom prst="rect">
+            <a:avLst/>
+          </a:prstGeom>
+        </p:spPr>
+      </p:pic>
+    </p:spTree>
+    <p:extLst>
+      <p:ext uri="{BB962C8B-B14F-4D97-AF65-F5344CB8AC3E}">
+        <p14:creationId xmlns:p14="http://schemas.microsoft.com/office/powerpoint/2010/main" val="667949686"/>
+      </p:ext>
+    </p:extLst>
+  </p:cSld>
+  <p:clrMapOvr>
+    <a:masterClrMapping/>
+  </p:clrMapOvr>
+</p:sld>
+</file>
+
+<file path=ppt/slides/slide6.xml><?xml version="1.0" encoding="utf-8"?>
+<p:sld xmlns:a="http://schemas.openxmlformats.org/drawingml/2006/main" xmlns:r="http://schemas.openxmlformats.org/officeDocument/2006/relationships" xmlns:p="http://schemas.openxmlformats.org/presentationml/2006/main">
+  <p:cSld>
+    <p:spTree>
+      <p:nvGrpSpPr>
+        <p:cNvPr id="1" name=""/>
+        <p:cNvGrpSpPr/>
+        <p:nvPr/>
+      </p:nvGrpSpPr>
+      <p:grpSpPr>
+        <a:xfrm>
+          <a:off x="0" y="0"/>
+          <a:ext cx="0" cy="0"/>
+          <a:chOff x="0" y="0"/>
+          <a:chExt cx="0" cy="0"/>
+        </a:xfrm>
+      </p:grpSpPr>
+      <p:pic>
+        <p:nvPicPr>
+          <p:cNvPr id="6" name="図 5" descr="Screen Shot 2013-12-09 at 14.07.21.png"/>
+          <p:cNvPicPr>
+            <a:picLocks noChangeAspect="1"/>
+          </p:cNvPicPr>
+          <p:nvPr/>
+        </p:nvPicPr>
+        <p:blipFill>
+          <a:blip r:embed="rId2">
+            <a:extLst>
+              <a:ext uri="{28A0092B-C50C-407E-A947-70E740481C1C}">
+                <a14:useLocalDpi xmlns:a14="http://schemas.microsoft.com/office/drawing/2010/main" val="0"/>
+              </a:ext>
+            </a:extLst>
+          </a:blip>
+          <a:stretch>
+            <a:fillRect/>
+          </a:stretch>
+        </p:blipFill>
+        <p:spPr>
+          <a:xfrm>
+            <a:off x="-1" y="1"/>
+            <a:ext cx="6052419" cy="3739092"/>
+          </a:xfrm>
+          <a:prstGeom prst="rect">
+            <a:avLst/>
+          </a:prstGeom>
+        </p:spPr>
+      </p:pic>
+      <p:pic>
+        <p:nvPicPr>
+          <p:cNvPr id="3" name="図 2" descr="Screen Shot 2013-12-09 at 13.47.52.png"/>
+          <p:cNvPicPr>
+            <a:picLocks noChangeAspect="1"/>
+          </p:cNvPicPr>
+          <p:nvPr/>
+        </p:nvPicPr>
+        <p:blipFill>
+          <a:blip r:embed="rId3">
+            <a:extLst>
+              <a:ext uri="{28A0092B-C50C-407E-A947-70E740481C1C}">
+                <a14:useLocalDpi xmlns:a14="http://schemas.microsoft.com/office/drawing/2010/main" val="0"/>
+              </a:ext>
+            </a:extLst>
+          </a:blip>
+          <a:stretch>
+            <a:fillRect/>
+          </a:stretch>
+        </p:blipFill>
+        <p:spPr>
+          <a:xfrm>
+            <a:off x="5893098" y="1"/>
+            <a:ext cx="3250902" cy="3739092"/>
+          </a:xfrm>
+          <a:prstGeom prst="rect">
+            <a:avLst/>
+          </a:prstGeom>
+        </p:spPr>
+      </p:pic>
+      <p:pic>
+        <p:nvPicPr>
+          <p:cNvPr id="5" name="図 4" descr="Screen Shot 2013-12-09 at 14.06.29.png"/>
+          <p:cNvPicPr>
+            <a:picLocks noChangeAspect="1"/>
+          </p:cNvPicPr>
+          <p:nvPr/>
+        </p:nvPicPr>
+        <p:blipFill>
+          <a:blip r:embed="rId4">
+            <a:extLst>
+              <a:ext uri="{28A0092B-C50C-407E-A947-70E740481C1C}">
+                <a14:useLocalDpi xmlns:a14="http://schemas.microsoft.com/office/drawing/2010/main" val="0"/>
+              </a:ext>
+            </a:extLst>
+          </a:blip>
+          <a:stretch>
+            <a:fillRect/>
+          </a:stretch>
+        </p:blipFill>
+        <p:spPr>
+          <a:xfrm>
+            <a:off x="0" y="3584058"/>
+            <a:ext cx="5893098" cy="3273942"/>
+          </a:xfrm>
+          <a:prstGeom prst="rect">
+            <a:avLst/>
+          </a:prstGeom>
+        </p:spPr>
+      </p:pic>
+      <p:pic>
+        <p:nvPicPr>
+          <p:cNvPr id="4" name="図 3" descr="Screen Shot 2013-12-09 at 14.00.32.png"/>
+          <p:cNvPicPr>
+            <a:picLocks noChangeAspect="1"/>
+          </p:cNvPicPr>
+          <p:nvPr/>
+        </p:nvPicPr>
+        <p:blipFill>
+          <a:blip r:embed="rId5">
+            <a:extLst>
+              <a:ext uri="{28A0092B-C50C-407E-A947-70E740481C1C}">
+                <a14:useLocalDpi xmlns:a14="http://schemas.microsoft.com/office/drawing/2010/main" val="0"/>
+              </a:ext>
+            </a:extLst>
+          </a:blip>
+          <a:stretch>
+            <a:fillRect/>
+          </a:stretch>
+        </p:blipFill>
+        <p:spPr>
+          <a:xfrm>
+            <a:off x="5893098" y="4126656"/>
+            <a:ext cx="3250902" cy="2380582"/>
+          </a:xfrm>
+          <a:prstGeom prst="rect">
+            <a:avLst/>
+          </a:prstGeom>
+        </p:spPr>
+      </p:pic>
+      <p:sp>
+        <p:nvSpPr>
+          <p:cNvPr id="2" name="正方形/長方形 1"/>
+          <p:cNvSpPr/>
+          <p:nvPr/>
+        </p:nvSpPr>
+        <p:spPr>
+          <a:xfrm>
+            <a:off x="-1" y="1"/>
+            <a:ext cx="9144001" cy="6857999"/>
+          </a:xfrm>
+          <a:prstGeom prst="rect">
+            <a:avLst/>
+          </a:prstGeom>
+          <a:solidFill>
+            <a:schemeClr val="bg1">
+              <a:lumMod val="75000"/>
+              <a:lumOff val="25000"/>
+              <a:alpha val="70000"/>
+            </a:schemeClr>
+          </a:solidFill>
+          <a:effectLst>
+            <a:glow rad="70000">
+              <a:schemeClr val="bg1">
+                <a:lumMod val="65000"/>
+                <a:lumOff val="35000"/>
+                <a:alpha val="20000"/>
+              </a:schemeClr>
+            </a:glow>
+          </a:effectLst>
+        </p:spPr>
+        <p:style>
+          <a:lnRef idx="1">
+            <a:schemeClr val="accent1"/>
+          </a:lnRef>
+          <a:fillRef idx="3">
+            <a:schemeClr val="accent1"/>
+          </a:fillRef>
+          <a:effectRef idx="2">
+            <a:schemeClr val="accent1"/>
+          </a:effectRef>
+          <a:fontRef idx="minor">
+            <a:schemeClr val="lt1"/>
+          </a:fontRef>
+        </p:style>
+        <p:txBody>
+          <a:bodyPr rtlCol="0" anchor="ctr"/>
+          <a:lstStyle/>
+          <a:p>
+            <a:pPr algn="ctr"/>
+            <a:r>
+              <a:rPr lang="en-US" altLang="en-US" sz="8000" dirty="0" smtClean="0">
+                <a:solidFill>
+                  <a:srgbClr val="53DBFF"/>
+                </a:solidFill>
+              </a:rPr>
+              <a:t>空</a:t>
+            </a:r>
+            <a:r>
+              <a:rPr lang="en-US" altLang="en-US" sz="8000" dirty="0" smtClean="0"/>
+              <a:t>を飛びたい</a:t>
+            </a:r>
+            <a:endParaRPr kumimoji="1" lang="ja-JP" altLang="en-US" sz="8000" dirty="0"/>
+          </a:p>
+        </p:txBody>
+      </p:sp>
+    </p:spTree>
+    <p:extLst>
+      <p:ext uri="{BB962C8B-B14F-4D97-AF65-F5344CB8AC3E}">
+        <p14:creationId xmlns:p14="http://schemas.microsoft.com/office/powerpoint/2010/main" val="1648355689"/>
+      </p:ext>
+    </p:extLst>
+  </p:cSld>
+  <p:clrMapOvr>
+    <a:masterClrMapping/>
+  </p:clrMapOvr>
+</p:sld>
+</file>
+
+<file path=ppt/slides/slide7.xml><?xml version="1.0" encoding="utf-8"?>
+<p:sld xmlns:a="http://schemas.openxmlformats.org/drawingml/2006/main" xmlns:r="http://schemas.openxmlformats.org/officeDocument/2006/relationships" xmlns:p="http://schemas.openxmlformats.org/presentationml/2006/main">
+  <p:cSld>
+    <p:spTree>
+      <p:nvGrpSpPr>
+        <p:cNvPr id="1" name=""/>
+        <p:cNvGrpSpPr/>
+        <p:nvPr/>
+      </p:nvGrpSpPr>
+      <p:grpSpPr>
+        <a:xfrm>
+          <a:off x="0" y="0"/>
+          <a:ext cx="0" cy="0"/>
+          <a:chOff x="0" y="0"/>
+          <a:chExt cx="0" cy="0"/>
+        </a:xfrm>
+      </p:grpSpPr>
+      <p:sp>
+        <p:nvSpPr>
+          <p:cNvPr id="2" name="タイトル 1"/>
+          <p:cNvSpPr>
+            <a:spLocks noGrp="1"/>
+          </p:cNvSpPr>
+          <p:nvPr>
+            <p:ph type="title"/>
+          </p:nvPr>
+        </p:nvSpPr>
+        <p:spPr>
+          <a:xfrm>
+            <a:off x="443545" y="274638"/>
+            <a:ext cx="7467600" cy="896542"/>
+          </a:xfrm>
+        </p:spPr>
+        <p:txBody>
+          <a:bodyPr/>
+          <a:lstStyle/>
+          <a:p>
+            <a:r>
+              <a:rPr lang="ja-JP" altLang="en-US" dirty="0" smtClean="0"/>
+              <a:t>目的・動機</a:t>
+            </a:r>
+            <a:endParaRPr lang="ja-JP" altLang="en-US" dirty="0"/>
+          </a:p>
+        </p:txBody>
+      </p:sp>
+      <p:sp>
+        <p:nvSpPr>
+          <p:cNvPr id="3" name="コンテンツ プレースホルダ 2"/>
+          <p:cNvSpPr>
+            <a:spLocks noGrp="1"/>
+          </p:cNvSpPr>
+          <p:nvPr>
+            <p:ph idx="1"/>
+          </p:nvPr>
+        </p:nvSpPr>
+        <p:spPr>
+          <a:xfrm>
+            <a:off x="457200" y="1171180"/>
+            <a:ext cx="7467600" cy="5205497"/>
+          </a:xfrm>
+        </p:spPr>
+        <p:txBody>
+          <a:bodyPr>
+            <a:normAutofit/>
+          </a:bodyPr>
+          <a:lstStyle/>
+          <a:p>
+            <a:r>
+              <a:rPr lang="ja-JP" altLang="en-US" dirty="0" smtClean="0"/>
+              <a:t>目的</a:t>
+            </a:r>
+            <a:endParaRPr lang="en-US" altLang="ja-JP" dirty="0" smtClean="0"/>
+          </a:p>
+          <a:p>
+            <a:pPr lvl="1"/>
+            <a:r>
+              <a:rPr lang="ja-JP" altLang="en-US" dirty="0" smtClean="0"/>
+              <a:t>身体感覚の拡張</a:t>
+            </a:r>
+            <a:endParaRPr lang="en-US" altLang="ja-JP" dirty="0" smtClean="0"/>
+          </a:p>
+          <a:p>
+            <a:endParaRPr lang="en-US" altLang="ja-JP" dirty="0" smtClean="0"/>
+          </a:p>
+          <a:p>
+            <a:pPr lvl="1"/>
+            <a:r>
+              <a:rPr lang="ja-JP" altLang="en-US" dirty="0" smtClean="0"/>
+              <a:t>実世界にフィードバック</a:t>
+            </a:r>
+            <a:endParaRPr lang="en-US" altLang="ja-JP" dirty="0" smtClean="0"/>
+          </a:p>
+          <a:p>
+            <a:pPr lvl="2"/>
+            <a:r>
+              <a:rPr lang="ja-JP" altLang="en-US" dirty="0" smtClean="0"/>
+              <a:t>新しい</a:t>
+            </a:r>
+            <a:r>
+              <a:rPr lang="en-US" altLang="ja-JP" dirty="0" err="1" smtClean="0"/>
+              <a:t>Kinect</a:t>
+            </a:r>
+            <a:r>
+              <a:rPr lang="ja-JP" altLang="en-US" dirty="0" smtClean="0"/>
+              <a:t>の利用方法</a:t>
+            </a:r>
+            <a:endParaRPr lang="en-US" altLang="ja-JP" dirty="0" smtClean="0"/>
+          </a:p>
+          <a:p>
+            <a:pPr lvl="2"/>
+            <a:endParaRPr lang="en-US" altLang="ja-JP" dirty="0" smtClean="0"/>
+          </a:p>
+          <a:p>
+            <a:r>
+              <a:rPr lang="ja-JP" altLang="en-US" dirty="0" smtClean="0"/>
+              <a:t>動機</a:t>
+            </a:r>
+            <a:endParaRPr lang="en-US" altLang="ja-JP" dirty="0" smtClean="0"/>
+          </a:p>
+          <a:p>
+            <a:pPr lvl="1"/>
+            <a:r>
+              <a:rPr lang="ja-JP" altLang="en-US" dirty="0" smtClean="0"/>
+              <a:t>おもしろいことがしたい</a:t>
+            </a:r>
+            <a:r>
+              <a:rPr lang="en-US" altLang="ja-JP" dirty="0" smtClean="0"/>
+              <a:t>!</a:t>
+            </a:r>
+          </a:p>
+          <a:p>
+            <a:pPr lvl="1"/>
+            <a:r>
+              <a:rPr lang="ja-JP" altLang="en-US" dirty="0" smtClean="0"/>
+              <a:t>画面内だけで終わらせたくない</a:t>
+            </a:r>
+            <a:r>
+              <a:rPr lang="en-US" altLang="ja-JP" dirty="0" smtClean="0"/>
+              <a:t>!!</a:t>
+            </a:r>
+          </a:p>
+          <a:p>
+            <a:pPr lvl="1"/>
+            <a:r>
+              <a:rPr lang="ja-JP" altLang="en-US" dirty="0" smtClean="0"/>
+              <a:t>空を飛びたい</a:t>
+            </a:r>
+            <a:r>
+              <a:rPr lang="en-US" altLang="ja-JP" dirty="0" smtClean="0"/>
+              <a:t>!!!!</a:t>
+            </a:r>
+          </a:p>
+          <a:p>
+            <a:pPr lvl="1"/>
+            <a:endParaRPr lang="en-US" altLang="ja-JP" dirty="0" smtClean="0"/>
+          </a:p>
+          <a:p>
+            <a:endParaRPr lang="en-US" altLang="ja-JP" dirty="0" smtClean="0"/>
+          </a:p>
+          <a:p>
+            <a:pPr lvl="1"/>
+            <a:endParaRPr lang="en-US" altLang="ja-JP" dirty="0" smtClean="0"/>
+          </a:p>
+          <a:p>
+            <a:endParaRPr lang="en-US" altLang="ja-JP" dirty="0" smtClean="0"/>
+          </a:p>
+          <a:p>
+            <a:endParaRPr lang="en-US" altLang="ja-JP" dirty="0" smtClean="0"/>
+          </a:p>
+        </p:txBody>
+      </p:sp>
+    </p:spTree>
+  </p:cSld>
+  <p:clrMapOvr>
+    <a:masterClrMapping/>
+  </p:clrMapOvr>
+  <p:timing>
+    <p:tnLst>
+      <p:par>
+        <p:cTn xmlns:p14="http://schemas.microsoft.com/office/powerpoint/2010/main" id="1" dur="indefinite" restart="never" nodeType="tmRoot"/>
+      </p:par>
+    </p:tnLst>
+  </p:timing>
+</p:sld>
+</file>
+
+<file path=ppt/slides/slide8.xml><?xml version="1.0" encoding="utf-8"?>
+<p:sld xmlns:a="http://schemas.openxmlformats.org/drawingml/2006/main" xmlns:r="http://schemas.openxmlformats.org/officeDocument/2006/relationships" xmlns:p="http://schemas.openxmlformats.org/presentationml/2006/main">
+  <p:cSld>
+    <p:spTree>
+      <p:nvGrpSpPr>
+        <p:cNvPr id="1" name=""/>
+        <p:cNvGrpSpPr/>
+        <p:nvPr/>
+      </p:nvGrpSpPr>
+      <p:grpSpPr>
+        <a:xfrm>
+          <a:off x="0" y="0"/>
+          <a:ext cx="0" cy="0"/>
+          <a:chOff x="0" y="0"/>
+          <a:chExt cx="0" cy="0"/>
+        </a:xfrm>
+      </p:grpSpPr>
+      <p:sp>
+        <p:nvSpPr>
+          <p:cNvPr id="2" name="タイトル 1"/>
+          <p:cNvSpPr>
+            <a:spLocks noGrp="1"/>
+          </p:cNvSpPr>
+          <p:nvPr>
+            <p:ph type="title"/>
+          </p:nvPr>
+        </p:nvSpPr>
+        <p:spPr>
+          <a:xfrm>
+            <a:off x="443545" y="274638"/>
+            <a:ext cx="7467600" cy="896542"/>
+          </a:xfrm>
+        </p:spPr>
+        <p:txBody>
+          <a:bodyPr/>
+          <a:lstStyle/>
+          <a:p>
+            <a:r>
+              <a:rPr lang="en-US" altLang="ja-JP" dirty="0" smtClean="0"/>
+              <a:t>What’s new?</a:t>
+            </a:r>
+            <a:endParaRPr lang="ja-JP" altLang="en-US" dirty="0"/>
+          </a:p>
+        </p:txBody>
+      </p:sp>
+      <p:sp>
+        <p:nvSpPr>
+          <p:cNvPr id="3" name="コンテンツ プレースホルダ 2"/>
+          <p:cNvSpPr>
+            <a:spLocks noGrp="1"/>
+          </p:cNvSpPr>
+          <p:nvPr>
+            <p:ph idx="1"/>
+          </p:nvPr>
+        </p:nvSpPr>
+        <p:spPr>
+          <a:xfrm>
+            <a:off x="457200" y="1171180"/>
+            <a:ext cx="7467600" cy="5205497"/>
+          </a:xfrm>
+        </p:spPr>
+        <p:txBody>
+          <a:bodyPr>
+            <a:normAutofit/>
+          </a:bodyPr>
+          <a:lstStyle/>
+          <a:p>
+            <a:r>
+              <a:rPr lang="ja-JP" altLang="en-US" dirty="0" smtClean="0"/>
+              <a:t>寝そべって使う</a:t>
+            </a:r>
+            <a:endParaRPr lang="en-US" altLang="ja-JP" dirty="0" smtClean="0"/>
+          </a:p>
+          <a:p>
+            <a:pPr lvl="1"/>
+            <a:r>
+              <a:rPr lang="ja-JP" altLang="en-US" dirty="0" smtClean="0"/>
+              <a:t>立ってやる事ばっかじゃない</a:t>
+            </a:r>
+            <a:endParaRPr lang="en-US" altLang="ja-JP" dirty="0" smtClean="0"/>
+          </a:p>
+          <a:p>
+            <a:pPr lvl="1"/>
+            <a:endParaRPr lang="en-US" altLang="ja-JP" dirty="0" smtClean="0"/>
+          </a:p>
+          <a:p>
+            <a:r>
+              <a:rPr lang="ja-JP" altLang="en-US" dirty="0" smtClean="0"/>
+              <a:t>現実のものを動かす</a:t>
+            </a:r>
+            <a:endParaRPr lang="en-US" altLang="ja-JP" dirty="0" smtClean="0"/>
+          </a:p>
+          <a:p>
+            <a:pPr lvl="1"/>
+            <a:r>
+              <a:rPr lang="en-US" altLang="ja-JP" dirty="0" smtClean="0"/>
+              <a:t>2</a:t>
+            </a:r>
+            <a:r>
+              <a:rPr lang="ja-JP" altLang="en-US" dirty="0" smtClean="0"/>
+              <a:t>次元だけでは満足できない</a:t>
+            </a:r>
+            <a:endParaRPr lang="en-US" altLang="ja-JP" dirty="0" smtClean="0"/>
+          </a:p>
+          <a:p>
+            <a:pPr lvl="1"/>
+            <a:endParaRPr lang="en-US" altLang="ja-JP" dirty="0" smtClean="0"/>
+          </a:p>
+          <a:p>
+            <a:r>
+              <a:rPr lang="en-US" altLang="ja-JP" dirty="0" smtClean="0"/>
+              <a:t>HMD</a:t>
+            </a:r>
+            <a:r>
+              <a:rPr lang="ja-JP" altLang="en-US" dirty="0" smtClean="0"/>
+              <a:t>も使う</a:t>
+            </a:r>
+            <a:endParaRPr lang="en-US" altLang="ja-JP" dirty="0" smtClean="0"/>
+          </a:p>
+          <a:p>
+            <a:pPr lvl="1"/>
+            <a:r>
+              <a:rPr lang="en-US" altLang="ja-JP" dirty="0" err="1" smtClean="0"/>
+              <a:t>OculusRift</a:t>
+            </a:r>
+            <a:r>
+              <a:rPr lang="ja-JP" altLang="en-US" dirty="0" smtClean="0"/>
+              <a:t>を使う</a:t>
+            </a:r>
+            <a:endParaRPr lang="en-US" altLang="ja-JP" dirty="0" smtClean="0"/>
+          </a:p>
+          <a:p>
+            <a:pPr lvl="1"/>
+            <a:r>
+              <a:rPr lang="ja-JP" altLang="en-US" dirty="0" smtClean="0"/>
+              <a:t>没入感の上昇</a:t>
+            </a:r>
+            <a:endParaRPr lang="en-US" altLang="ja-JP" dirty="0" smtClean="0"/>
+          </a:p>
+          <a:p>
+            <a:pPr lvl="1"/>
+            <a:r>
+              <a:rPr lang="ja-JP" altLang="en-US" dirty="0" smtClean="0"/>
+              <a:t>近未来度の上昇</a:t>
+            </a:r>
+            <a:endParaRPr lang="en-US" altLang="ja-JP" dirty="0" smtClean="0"/>
+          </a:p>
+        </p:txBody>
+      </p:sp>
+    </p:spTree>
+  </p:cSld>
+  <p:clrMapOvr>
+    <a:masterClrMapping/>
+  </p:clrMapOvr>
+  <p:timing>
+    <p:tnLst>
+      <p:par>
+        <p:cTn xmlns:p14="http://schemas.microsoft.com/office/powerpoint/2010/main" id="1" dur="indefinite" restart="never" nodeType="tmRoot"/>
+      </p:par>
+    </p:tnLst>
+  </p:timing>
+</p:sld>
+</file>
+
+<file path=ppt/slides/slide9.xml><?xml version="1.0" encoding="utf-8"?>
+<p:sld xmlns:a="http://schemas.openxmlformats.org/drawingml/2006/main" xmlns:r="http://schemas.openxmlformats.org/officeDocument/2006/relationships" xmlns:p="http://schemas.openxmlformats.org/presentationml/2006/main">
+  <p:cSld>
+    <p:spTree>
+      <p:nvGrpSpPr>
+        <p:cNvPr id="1" name=""/>
+        <p:cNvGrpSpPr/>
+        <p:nvPr/>
+      </p:nvGrpSpPr>
+      <p:grpSpPr>
+        <a:xfrm>
+          <a:off x="0" y="0"/>
+          <a:ext cx="0" cy="0"/>
+          <a:chOff x="0" y="0"/>
+          <a:chExt cx="0" cy="0"/>
+        </a:xfrm>
+      </p:grpSpPr>
+      <p:sp>
+        <p:nvSpPr>
           <p:cNvPr id="2" name="タイトル 1"/>
           <p:cNvSpPr>
             <a:spLocks noGrp="1"/>
@@ -5458,7 +6620,6 @@
               <a:rPr lang="en-US" altLang="ja-JP" dirty="0" smtClean="0"/>
               <a:t>Processing</a:t>
             </a:r>
-            <a:endParaRPr lang="en-US" altLang="ja-JP" dirty="0" smtClean="0"/>
           </a:p>
         </p:txBody>
       </p:sp>
@@ -5618,20 +6779,6 @@
               </a:rPr>
               <a:t>ARDroneForP5</a:t>
             </a:r>
-            <a:endParaRPr kumimoji="1" lang="en-US" altLang="ja-JP" sz="2400" b="0" i="0" u="none" strike="noStrike" kern="1200" cap="none" spc="0" normalizeH="0" baseline="0" noProof="0" dirty="0" smtClean="0">
-              <a:ln>
-                <a:noFill/>
-              </a:ln>
-              <a:solidFill>
-                <a:srgbClr val="000000"/>
-              </a:solidFill>
-              <a:effectLst/>
-              <a:uLnTx/>
-              <a:uFillTx/>
-              <a:latin typeface="+mn-lt"/>
-              <a:ea typeface="HG丸ｺﾞｼｯｸM-PRO"/>
-              <a:cs typeface="+mn-cs"/>
-            </a:endParaRPr>
           </a:p>
           <a:p>
             <a:pPr marL="704088" marR="0" lvl="2" indent="-384048" algn="l" defTabSz="914400" rtl="0" eaLnBrk="1" fontAlgn="auto" latinLnBrk="0" hangingPunct="1">
@@ -5673,651 +6820,13 @@
     </p:spTree>
     <p:extLst>
       <p:ext uri="{BB962C8B-B14F-4D97-AF65-F5344CB8AC3E}">
-        <p14:creationId xmlns:mc="http://schemas.openxmlformats.org/markup-compatibility/2006" xmlns:mv="urn:schemas-microsoft-com:mac:vml" xmlns:p14="http://schemas.microsoft.com/office/powerpoint/2010/main" xmlns:p="http://schemas.openxmlformats.org/presentationml/2006/main" xmlns:r="http://schemas.openxmlformats.org/officeDocument/2006/relationships" xmlns:a="http://schemas.openxmlformats.org/drawingml/2006/main" xmlns="" val="2613616601"/>
+        <p14:creationId xmlns:p14="http://schemas.microsoft.com/office/powerpoint/2010/main" val="2613616601"/>
       </p:ext>
     </p:extLst>
   </p:cSld>
   <p:clrMapOvr>
     <a:masterClrMapping/>
   </p:clrMapOvr>
-</p:sld>
-</file>
-
-<file path=ppt/slides/slide6.xml><?xml version="1.0" encoding="utf-8"?>
-<p:sld xmlns:a="http://schemas.openxmlformats.org/drawingml/2006/main" xmlns:r="http://schemas.openxmlformats.org/officeDocument/2006/relationships" xmlns:mc="http://schemas.openxmlformats.org/markup-compatibility/2006" xmlns:mv="urn:schemas-microsoft-com:mac:vml" xmlns:p="http://schemas.openxmlformats.org/presentationml/2006/main" mc:Ignorable="mv" mc:PreserveAttributes="mv:*">
-  <p:cSld>
-    <p:spTree>
-      <p:nvGrpSpPr>
-        <p:cNvPr id="1" name=""/>
-        <p:cNvGrpSpPr/>
-        <p:nvPr/>
-      </p:nvGrpSpPr>
-      <p:grpSpPr>
-        <a:xfrm>
-          <a:off x="0" y="0"/>
-          <a:ext cx="0" cy="0"/>
-          <a:chOff x="0" y="0"/>
-          <a:chExt cx="0" cy="0"/>
-        </a:xfrm>
-      </p:grpSpPr>
-      <p:sp>
-        <p:nvSpPr>
-          <p:cNvPr id="2" name="タイトル 1"/>
-          <p:cNvSpPr>
-            <a:spLocks noGrp="1"/>
-          </p:cNvSpPr>
-          <p:nvPr>
-            <p:ph type="title"/>
-          </p:nvPr>
-        </p:nvSpPr>
-        <p:spPr>
-          <a:xfrm>
-            <a:off x="443545" y="274638"/>
-            <a:ext cx="7467600" cy="896542"/>
-          </a:xfrm>
-        </p:spPr>
-        <p:txBody>
-          <a:bodyPr/>
-          <a:lstStyle/>
-          <a:p>
-            <a:r>
-              <a:rPr lang="en-US" altLang="en-US" dirty="0" smtClean="0"/>
-              <a:t>概要</a:t>
-            </a:r>
-            <a:endParaRPr lang="ja-JP" altLang="en-US" dirty="0"/>
-          </a:p>
-        </p:txBody>
-      </p:sp>
-      <p:sp>
-        <p:nvSpPr>
-          <p:cNvPr id="3" name="コンテンツ プレースホルダ 2"/>
-          <p:cNvSpPr>
-            <a:spLocks noGrp="1"/>
-          </p:cNvSpPr>
-          <p:nvPr>
-            <p:ph idx="1"/>
-          </p:nvPr>
-        </p:nvSpPr>
-        <p:spPr>
-          <a:xfrm>
-            <a:off x="457200" y="1171180"/>
-            <a:ext cx="7467600" cy="5205497"/>
-          </a:xfrm>
-        </p:spPr>
-        <p:txBody>
-          <a:bodyPr>
-            <a:normAutofit/>
-          </a:bodyPr>
-          <a:lstStyle/>
-          <a:p>
-            <a:endParaRPr lang="en-US" altLang="ja-JP" dirty="0" smtClean="0"/>
-          </a:p>
-          <a:p>
-            <a:endParaRPr lang="en-US" altLang="ja-JP" dirty="0" smtClean="0"/>
-          </a:p>
-          <a:p>
-            <a:pPr lvl="1"/>
-            <a:endParaRPr lang="en-US" altLang="ja-JP" dirty="0" smtClean="0"/>
-          </a:p>
-          <a:p>
-            <a:endParaRPr lang="en-US" altLang="ja-JP" dirty="0" smtClean="0"/>
-          </a:p>
-          <a:p>
-            <a:endParaRPr lang="en-US" altLang="ja-JP" dirty="0" smtClean="0"/>
-          </a:p>
-        </p:txBody>
-      </p:sp>
-      <p:pic>
-        <p:nvPicPr>
-          <p:cNvPr id="4" name="図 3" descr="image0_2.png"/>
-          <p:cNvPicPr>
-            <a:picLocks noChangeAspect="1"/>
-          </p:cNvPicPr>
-          <p:nvPr/>
-        </p:nvPicPr>
-        <p:blipFill>
-          <a:blip r:embed="rId2"/>
-          <a:stretch>
-            <a:fillRect/>
-          </a:stretch>
-        </p:blipFill>
-        <p:spPr>
-          <a:xfrm>
-            <a:off x="0" y="1171180"/>
-            <a:ext cx="9144000" cy="2438400"/>
-          </a:xfrm>
-          <a:prstGeom prst="rect">
-            <a:avLst/>
-          </a:prstGeom>
-        </p:spPr>
-      </p:pic>
-    </p:spTree>
-  </p:cSld>
-  <p:clrMapOvr>
-    <a:masterClrMapping/>
-  </p:clrMapOvr>
-  <p:timing>
-    <p:tnLst>
-      <p:par>
-        <p:cTn id="1" dur="indefinite" restart="never" nodeType="tmRoot"/>
-      </p:par>
-    </p:tnLst>
-  </p:timing>
-</p:sld>
-</file>
-
-<file path=ppt/slides/slide7.xml><?xml version="1.0" encoding="utf-8"?>
-<p:sld xmlns:a="http://schemas.openxmlformats.org/drawingml/2006/main" xmlns:r="http://schemas.openxmlformats.org/officeDocument/2006/relationships" xmlns:mc="http://schemas.openxmlformats.org/markup-compatibility/2006" xmlns:mv="urn:schemas-microsoft-com:mac:vml" xmlns:p="http://schemas.openxmlformats.org/presentationml/2006/main" mc:Ignorable="mv" mc:PreserveAttributes="mv:*">
-  <p:cSld>
-    <p:spTree>
-      <p:nvGrpSpPr>
-        <p:cNvPr id="1" name=""/>
-        <p:cNvGrpSpPr/>
-        <p:nvPr/>
-      </p:nvGrpSpPr>
-      <p:grpSpPr>
-        <a:xfrm>
-          <a:off x="0" y="0"/>
-          <a:ext cx="0" cy="0"/>
-          <a:chOff x="0" y="0"/>
-          <a:chExt cx="0" cy="0"/>
-        </a:xfrm>
-      </p:grpSpPr>
-      <p:sp>
-        <p:nvSpPr>
-          <p:cNvPr id="2" name="タイトル 1"/>
-          <p:cNvSpPr>
-            <a:spLocks noGrp="1"/>
-          </p:cNvSpPr>
-          <p:nvPr>
-            <p:ph type="title"/>
-          </p:nvPr>
-        </p:nvSpPr>
-        <p:spPr/>
-        <p:txBody>
-          <a:bodyPr/>
-          <a:lstStyle/>
-          <a:p>
-            <a:r>
-              <a:rPr lang="ja-JP" altLang="en-US" dirty="0" smtClean="0"/>
-              <a:t>背景</a:t>
-            </a:r>
-            <a:endParaRPr lang="ja-JP" altLang="en-US" dirty="0"/>
-          </a:p>
-        </p:txBody>
-      </p:sp>
-      <p:sp>
-        <p:nvSpPr>
-          <p:cNvPr id="3" name="コンテンツ プレースホルダ 2"/>
-          <p:cNvSpPr>
-            <a:spLocks noGrp="1"/>
-          </p:cNvSpPr>
-          <p:nvPr>
-            <p:ph idx="1"/>
-          </p:nvPr>
-        </p:nvSpPr>
-        <p:spPr>
-          <a:xfrm>
-            <a:off x="457199" y="1121694"/>
-            <a:ext cx="8458201" cy="5736306"/>
-          </a:xfrm>
-        </p:spPr>
-        <p:txBody>
-          <a:bodyPr>
-            <a:normAutofit fontScale="92500" lnSpcReduction="10000"/>
-          </a:bodyPr>
-          <a:lstStyle/>
-          <a:p>
-            <a:pPr>
-              <a:buNone/>
-            </a:pPr>
-            <a:r>
-              <a:rPr lang="en-US" altLang="ja-JP" dirty="0" smtClean="0"/>
-              <a:t>	</a:t>
-            </a:r>
-            <a:r>
-              <a:rPr lang="en-US" altLang="ja-JP" dirty="0" err="1" smtClean="0"/>
-              <a:t>Kinect</a:t>
-            </a:r>
-            <a:r>
-              <a:rPr lang="ja-JP" altLang="en-US" dirty="0" smtClean="0"/>
-              <a:t>コンテストに向けて</a:t>
-            </a:r>
-            <a:r>
-              <a:rPr lang="en-US" altLang="ja-JP" dirty="0" err="1" smtClean="0"/>
-              <a:t>Kinect</a:t>
-            </a:r>
-            <a:r>
-              <a:rPr lang="ja-JP" altLang="en-US" dirty="0" smtClean="0"/>
-              <a:t>を用いたコンテンツの作成をすることになりました。</a:t>
-            </a:r>
-            <a:endParaRPr lang="en-US" altLang="ja-JP" dirty="0" smtClean="0"/>
-          </a:p>
-          <a:p>
-            <a:pPr>
-              <a:buNone/>
-            </a:pPr>
-            <a:r>
-              <a:rPr lang="en-US" altLang="ja-JP" dirty="0" smtClean="0"/>
-              <a:t>	</a:t>
-            </a:r>
-            <a:r>
-              <a:rPr lang="en-US" altLang="ja-JP" dirty="0" err="1" smtClean="0"/>
-              <a:t>Kinect</a:t>
-            </a:r>
-            <a:r>
-              <a:rPr lang="ja-JP" altLang="en-US" dirty="0" smtClean="0"/>
-              <a:t>の利用されているシチュエーションとして、画面上の何かを実世界の人間の動作により動かすというものが多い。つまり現実世界の動きから仮想世界へのアウトプットを行い、モニターから得られる視覚としてフィードバック得るというものである。</a:t>
-            </a:r>
-            <a:endParaRPr lang="en-US" altLang="ja-JP" dirty="0" smtClean="0"/>
-          </a:p>
-          <a:p>
-            <a:pPr>
-              <a:buNone/>
-            </a:pPr>
-            <a:r>
-              <a:rPr lang="en-US" altLang="ja-JP" dirty="0" smtClean="0"/>
-              <a:t>	</a:t>
-            </a:r>
-            <a:r>
-              <a:rPr lang="ja-JP" altLang="en-US" dirty="0" smtClean="0"/>
-              <a:t>また</a:t>
-            </a:r>
-            <a:r>
-              <a:rPr lang="en-US" altLang="ja-JP" dirty="0" smtClean="0"/>
-              <a:t>AR</a:t>
-            </a:r>
-            <a:r>
-              <a:rPr lang="ja-JP" altLang="en-US" dirty="0" smtClean="0"/>
-              <a:t>の普及が始まり、拡張現実として視覚の拡張が広まりつつある。しかし拡張の可能性は視覚にとどまるものではない。</a:t>
-            </a:r>
-            <a:endParaRPr lang="en-US" altLang="ja-JP" dirty="0" smtClean="0"/>
-          </a:p>
-          <a:p>
-            <a:pPr>
-              <a:buNone/>
-            </a:pPr>
-            <a:r>
-              <a:rPr lang="en-US" altLang="ja-JP" dirty="0" smtClean="0"/>
-              <a:t>	</a:t>
-            </a:r>
-            <a:r>
-              <a:rPr lang="ja-JP" altLang="en-US" dirty="0" smtClean="0"/>
-              <a:t>そこで私たちはコンセプトを現実世界へのフィードバックと身体感覚の拡張とした。</a:t>
-            </a:r>
-            <a:endParaRPr lang="en-US" altLang="ja-JP" dirty="0" smtClean="0"/>
-          </a:p>
-        </p:txBody>
-      </p:sp>
-    </p:spTree>
-  </p:cSld>
-  <p:clrMapOvr>
-    <a:masterClrMapping/>
-  </p:clrMapOvr>
-  <p:timing>
-    <p:tnLst>
-      <p:par>
-        <p:cTn id="1" dur="indefinite" restart="never" nodeType="tmRoot"/>
-      </p:par>
-    </p:tnLst>
-  </p:timing>
-</p:sld>
-</file>
-
-<file path=ppt/slides/slide8.xml><?xml version="1.0" encoding="utf-8"?>
-<p:sld xmlns:a="http://schemas.openxmlformats.org/drawingml/2006/main" xmlns:r="http://schemas.openxmlformats.org/officeDocument/2006/relationships" xmlns:mc="http://schemas.openxmlformats.org/markup-compatibility/2006" xmlns:mv="urn:schemas-microsoft-com:mac:vml" xmlns:p="http://schemas.openxmlformats.org/presentationml/2006/main" mc:Ignorable="mv" mc:PreserveAttributes="mv:*">
-  <p:cSld>
-    <p:spTree>
-      <p:nvGrpSpPr>
-        <p:cNvPr id="1" name=""/>
-        <p:cNvGrpSpPr/>
-        <p:nvPr/>
-      </p:nvGrpSpPr>
-      <p:grpSpPr>
-        <a:xfrm>
-          <a:off x="0" y="0"/>
-          <a:ext cx="0" cy="0"/>
-          <a:chOff x="0" y="0"/>
-          <a:chExt cx="0" cy="0"/>
-        </a:xfrm>
-      </p:grpSpPr>
-      <p:sp>
-        <p:nvSpPr>
-          <p:cNvPr id="2" name="タイトル 1"/>
-          <p:cNvSpPr>
-            <a:spLocks noGrp="1"/>
-          </p:cNvSpPr>
-          <p:nvPr>
-            <p:ph type="title"/>
-          </p:nvPr>
-        </p:nvSpPr>
-        <p:spPr/>
-        <p:txBody>
-          <a:bodyPr/>
-          <a:lstStyle/>
-          <a:p>
-            <a:r>
-              <a:rPr lang="ja-JP" altLang="en-US" dirty="0" smtClean="0"/>
-              <a:t>提案手法</a:t>
-            </a:r>
-            <a:endParaRPr lang="ja-JP" altLang="en-US" dirty="0"/>
-          </a:p>
-        </p:txBody>
-      </p:sp>
-      <p:sp>
-        <p:nvSpPr>
-          <p:cNvPr id="3" name="コンテンツ プレースホルダ 2"/>
-          <p:cNvSpPr>
-            <a:spLocks noGrp="1"/>
-          </p:cNvSpPr>
-          <p:nvPr>
-            <p:ph idx="1"/>
-          </p:nvPr>
-        </p:nvSpPr>
-        <p:spPr/>
-        <p:txBody>
-          <a:bodyPr>
-            <a:normAutofit/>
-          </a:bodyPr>
-          <a:lstStyle/>
-          <a:p>
-            <a:pPr>
-              <a:buNone/>
-            </a:pPr>
-            <a:r>
-              <a:rPr lang="en-US" altLang="ja-JP" sz="2800" dirty="0" smtClean="0"/>
-              <a:t>	</a:t>
-            </a:r>
-            <a:r>
-              <a:rPr lang="en-US" altLang="ja-JP" sz="2800" dirty="0" err="1" smtClean="0"/>
-              <a:t>Kinect</a:t>
-            </a:r>
-            <a:r>
-              <a:rPr lang="ja-JP" altLang="en-US" sz="2800" dirty="0" smtClean="0"/>
-              <a:t>を利用して取得した骨格情報を認識し、ユーザの動作を取得する。</a:t>
-            </a:r>
-          </a:p>
-          <a:p>
-            <a:pPr>
-              <a:buNone/>
-            </a:pPr>
-            <a:r>
-              <a:rPr lang="en-US" altLang="ja-JP" sz="2800" dirty="0" smtClean="0"/>
-              <a:t>	</a:t>
-            </a:r>
-            <a:r>
-              <a:rPr lang="en-US" altLang="ja-JP" sz="2800" dirty="0" err="1" smtClean="0"/>
-              <a:t>AR.Drone</a:t>
-            </a:r>
-            <a:r>
-              <a:rPr lang="ja-JP" altLang="en-US" sz="2800" dirty="0" smtClean="0"/>
-              <a:t>を操作するコマンドを作成し、ユーザの動作をコマンドに割り当てることで体感型のインターフェースを実現する。</a:t>
-            </a:r>
-          </a:p>
-          <a:p>
-            <a:pPr>
-              <a:buNone/>
-            </a:pPr>
-            <a:r>
-              <a:rPr lang="en-US" altLang="ja-JP" sz="2800" dirty="0" smtClean="0"/>
-              <a:t>	</a:t>
-            </a:r>
-            <a:r>
-              <a:rPr lang="ja-JP" altLang="en-US" sz="2800" dirty="0" smtClean="0"/>
-              <a:t>ユーザは</a:t>
-            </a:r>
-            <a:r>
-              <a:rPr lang="en-US" altLang="ja-JP" sz="2800" dirty="0" err="1" smtClean="0"/>
-              <a:t>AR.Drone</a:t>
-            </a:r>
-            <a:r>
-              <a:rPr lang="ja-JP" altLang="en-US" sz="2800" dirty="0" smtClean="0"/>
-              <a:t>の前方カメラの映像を</a:t>
-            </a:r>
-            <a:r>
-              <a:rPr lang="en-US" altLang="ja-JP" sz="2800" dirty="0" smtClean="0"/>
-              <a:t>HMD</a:t>
-            </a:r>
-            <a:r>
-              <a:rPr lang="ja-JP" altLang="en-US" sz="2800" dirty="0" smtClean="0"/>
-              <a:t>から見ることにより、体感性の向上を目指す。</a:t>
-            </a:r>
-            <a:endParaRPr lang="ja-JP" altLang="en-US" sz="2800" dirty="0"/>
-          </a:p>
-        </p:txBody>
-      </p:sp>
-      <p:pic>
-        <p:nvPicPr>
-          <p:cNvPr id="5" name="図 4" descr="スクリーンショット 2013-10-10 15.13.37.png"/>
-          <p:cNvPicPr>
-            <a:picLocks noChangeAspect="1"/>
-          </p:cNvPicPr>
-          <p:nvPr/>
-        </p:nvPicPr>
-        <p:blipFill>
-          <a:blip r:embed="rId2">
-            <a:extLst>
-              <a:ext uri="{28A0092B-C50C-407E-A947-70E740481C1C}">
-                <a14:useLocalDpi xmlns:mc="http://schemas.openxmlformats.org/markup-compatibility/2006" xmlns:mv="urn:schemas-microsoft-com:mac:vml" xmlns:a14="http://schemas.microsoft.com/office/drawing/2010/main" xmlns:p="http://schemas.openxmlformats.org/presentationml/2006/main" xmlns:r="http://schemas.openxmlformats.org/officeDocument/2006/relationships" xmlns:a="http://schemas.openxmlformats.org/drawingml/2006/main" xmlns="" val="0"/>
-              </a:ext>
-            </a:extLst>
-          </a:blip>
-          <a:stretch>
-            <a:fillRect/>
-          </a:stretch>
-        </p:blipFill>
-        <p:spPr>
-          <a:xfrm>
-            <a:off x="2237047" y="4736044"/>
-            <a:ext cx="4892822" cy="1895143"/>
-          </a:xfrm>
-          <a:prstGeom prst="rect">
-            <a:avLst/>
-          </a:prstGeom>
-        </p:spPr>
-      </p:pic>
-    </p:spTree>
-  </p:cSld>
-  <p:clrMapOvr>
-    <a:masterClrMapping/>
-  </p:clrMapOvr>
-  <p:timing>
-    <p:tnLst>
-      <p:par>
-        <p:cTn id="1" dur="indefinite" restart="never" nodeType="tmRoot"/>
-      </p:par>
-    </p:tnLst>
-  </p:timing>
-</p:sld>
-</file>
-
-<file path=ppt/slides/slide9.xml><?xml version="1.0" encoding="utf-8"?>
-<p:sld xmlns:a="http://schemas.openxmlformats.org/drawingml/2006/main" xmlns:r="http://schemas.openxmlformats.org/officeDocument/2006/relationships" xmlns:mc="http://schemas.openxmlformats.org/markup-compatibility/2006" xmlns:mv="urn:schemas-microsoft-com:mac:vml" xmlns:p="http://schemas.openxmlformats.org/presentationml/2006/main" mc:Ignorable="mv" mc:PreserveAttributes="mv:*">
-  <p:cSld>
-    <p:spTree>
-      <p:nvGrpSpPr>
-        <p:cNvPr id="1" name=""/>
-        <p:cNvGrpSpPr/>
-        <p:nvPr/>
-      </p:nvGrpSpPr>
-      <p:grpSpPr>
-        <a:xfrm>
-          <a:off x="0" y="0"/>
-          <a:ext cx="0" cy="0"/>
-          <a:chOff x="0" y="0"/>
-          <a:chExt cx="0" cy="0"/>
-        </a:xfrm>
-      </p:grpSpPr>
-      <p:sp>
-        <p:nvSpPr>
-          <p:cNvPr id="2" name="タイトル 1"/>
-          <p:cNvSpPr>
-            <a:spLocks noGrp="1"/>
-          </p:cNvSpPr>
-          <p:nvPr>
-            <p:ph type="title"/>
-          </p:nvPr>
-        </p:nvSpPr>
-        <p:spPr/>
-        <p:txBody>
-          <a:bodyPr/>
-          <a:lstStyle/>
-          <a:p>
-            <a:r>
-              <a:rPr lang="ja-JP" altLang="en-US" dirty="0" smtClean="0"/>
-              <a:t>実装</a:t>
-            </a:r>
-            <a:r>
-              <a:rPr lang="en-US" altLang="ja-JP" dirty="0" smtClean="0"/>
-              <a:t>	</a:t>
-            </a:r>
-            <a:endParaRPr lang="ja-JP" altLang="en-US" dirty="0"/>
-          </a:p>
-        </p:txBody>
-      </p:sp>
-      <p:sp>
-        <p:nvSpPr>
-          <p:cNvPr id="3" name="コンテンツ プレースホルダ 2"/>
-          <p:cNvSpPr>
-            <a:spLocks noGrp="1"/>
-          </p:cNvSpPr>
-          <p:nvPr>
-            <p:ph idx="1"/>
-          </p:nvPr>
-        </p:nvSpPr>
-        <p:spPr/>
-        <p:txBody>
-          <a:bodyPr>
-            <a:normAutofit fontScale="92500"/>
-          </a:bodyPr>
-          <a:lstStyle/>
-          <a:p>
-            <a:r>
-              <a:rPr lang="ja-JP" altLang="en-US" dirty="0" smtClean="0"/>
-              <a:t>操作性</a:t>
-            </a:r>
-            <a:endParaRPr lang="en-US" altLang="ja-JP" dirty="0" smtClean="0"/>
-          </a:p>
-          <a:p>
-            <a:pPr lvl="1"/>
-            <a:r>
-              <a:rPr lang="ja-JP" altLang="en-US" dirty="0" smtClean="0"/>
-              <a:t>感覚的に操作ができるよう前後左右の移動のみ実装</a:t>
-            </a:r>
-            <a:endParaRPr lang="en-US" altLang="ja-JP" dirty="0" smtClean="0"/>
-          </a:p>
-          <a:p>
-            <a:pPr lvl="2"/>
-            <a:r>
-              <a:rPr lang="ja-JP" altLang="en-US" dirty="0" smtClean="0"/>
-              <a:t>体の傾き、手の上げ下げを割り当て、体の動きを大きくするほど</a:t>
-            </a:r>
-            <a:r>
-              <a:rPr lang="en-US" altLang="ja-JP" dirty="0" err="1" smtClean="0"/>
-              <a:t>AR.Drone</a:t>
-            </a:r>
-            <a:r>
-              <a:rPr lang="ja-JP" altLang="en-US" dirty="0" smtClean="0"/>
-              <a:t>の動作が大きくなるよう設定</a:t>
-            </a:r>
-            <a:endParaRPr lang="en-US" altLang="ja-JP" dirty="0" smtClean="0"/>
-          </a:p>
-          <a:p>
-            <a:pPr lvl="2"/>
-            <a:endParaRPr lang="en-US" altLang="ja-JP" dirty="0" smtClean="0"/>
-          </a:p>
-          <a:p>
-            <a:r>
-              <a:rPr lang="ja-JP" altLang="en-US" dirty="0" smtClean="0"/>
-              <a:t>フィードバック</a:t>
-            </a:r>
-            <a:endParaRPr lang="en-US" altLang="ja-JP" dirty="0" smtClean="0"/>
-          </a:p>
-          <a:p>
-            <a:pPr lvl="1"/>
-            <a:r>
-              <a:rPr lang="en-US" altLang="ja-JP" dirty="0" err="1" smtClean="0"/>
-              <a:t>Kinect</a:t>
-            </a:r>
-            <a:endParaRPr lang="en-US" altLang="ja-JP" dirty="0" smtClean="0"/>
-          </a:p>
-          <a:p>
-            <a:pPr lvl="2"/>
-            <a:r>
-              <a:rPr lang="ja-JP" altLang="en-US" dirty="0" smtClean="0"/>
-              <a:t>実行が上手くいっているか、</a:t>
-            </a:r>
-            <a:r>
-              <a:rPr lang="en-US" altLang="ja-JP" dirty="0" err="1" smtClean="0"/>
-              <a:t>Kinect</a:t>
-            </a:r>
-            <a:r>
-              <a:rPr lang="ja-JP" altLang="en-US" dirty="0" smtClean="0"/>
-              <a:t>のカメラ映像</a:t>
-            </a:r>
-            <a:r>
-              <a:rPr lang="en-US" altLang="ja-JP" dirty="0" smtClean="0"/>
-              <a:t>(</a:t>
-            </a:r>
-            <a:r>
-              <a:rPr lang="ja-JP" altLang="en-US" dirty="0" smtClean="0"/>
-              <a:t>モノクロ</a:t>
-            </a:r>
-            <a:r>
-              <a:rPr lang="en-US" altLang="ja-JP" dirty="0" smtClean="0"/>
-              <a:t>)</a:t>
-            </a:r>
-            <a:r>
-              <a:rPr lang="ja-JP" altLang="en-US" dirty="0" smtClean="0"/>
-              <a:t>上に取得できていれば体のスケルトンが表示</a:t>
-            </a:r>
-            <a:endParaRPr lang="en-US" altLang="ja-JP" dirty="0" smtClean="0"/>
-          </a:p>
-          <a:p>
-            <a:pPr lvl="1"/>
-            <a:r>
-              <a:rPr lang="en-US" altLang="ja-JP" dirty="0" err="1" smtClean="0"/>
-              <a:t>AR.Drone</a:t>
-            </a:r>
-            <a:endParaRPr lang="en-US" altLang="ja-JP" dirty="0" smtClean="0"/>
-          </a:p>
-          <a:p>
-            <a:pPr lvl="2"/>
-            <a:r>
-              <a:rPr lang="en-US" altLang="ja-JP" dirty="0" err="1" smtClean="0"/>
-              <a:t>AR.Drone</a:t>
-            </a:r>
-            <a:r>
-              <a:rPr lang="ja-JP" altLang="en-US" dirty="0" smtClean="0"/>
-              <a:t>からのリアルタイム映像の上に送っている動作命令、</a:t>
-            </a:r>
-            <a:r>
-              <a:rPr lang="en-US" altLang="ja-JP" dirty="0" err="1" smtClean="0"/>
-              <a:t>AR.Drone</a:t>
-            </a:r>
-            <a:r>
-              <a:rPr lang="ja-JP" altLang="en-US" dirty="0" smtClean="0"/>
-              <a:t>のセンサやバッテリーの値は表示</a:t>
-            </a:r>
-            <a:endParaRPr lang="en-US" altLang="ja-JP" dirty="0" smtClean="0"/>
-          </a:p>
-          <a:p>
-            <a:endParaRPr lang="ja-JP" altLang="en-US" dirty="0"/>
-          </a:p>
-        </p:txBody>
-      </p:sp>
-    </p:spTree>
-  </p:cSld>
-  <p:clrMapOvr>
-    <a:masterClrMapping/>
-  </p:clrMapOvr>
-  <p:timing>
-    <p:tnLst>
-      <p:par>
-        <p:cTn id="1" dur="indefinite" restart="never" nodeType="tmRoot"/>
-      </p:par>
-    </p:tnLst>
-  </p:timing>
 </p:sld>
 </file>
 
